--- a/RoomFinder_presentation_final.pptx
+++ b/RoomFinder_presentation_final.pptx
@@ -29,6 +29,8 @@
     <p:sldId id="274" r:id="rId26"/>
     <p:sldId id="275" r:id="rId27"/>
     <p:sldId id="276" r:id="rId28"/>
+    <p:sldId id="277" r:id="rId29"/>
+    <p:sldId id="278" r:id="rId30"/>
   </p:sldIdLst>
   <p:sldSz cx="9144000" cy="5143500"/>
   <p:notesSz cx="6858000" cy="9144000"/>
@@ -485,7 +487,7 @@
 </file>
 
 <file path=ppt/slideLayouts/slideLayout1.xml><?xml version="1.0" encoding="utf-8"?>
-<p:sldLayout xmlns:a="http://schemas.openxmlformats.org/drawingml/2006/main" xmlns:r="http://schemas.openxmlformats.org/officeDocument/2006/relationships" xmlns:p="http://schemas.openxmlformats.org/presentationml/2006/main" xmlns:m="http://schemas.openxmlformats.org/officeDocument/2006/math" xmlns:a14="http://schemas.microsoft.com/office/drawing/2010/main" type="title" showMasterSp="1" showMasterPhAnim="1">
+<p:sldLayout xmlns:a="http://schemas.openxmlformats.org/drawingml/2006/main" xmlns:r="http://schemas.openxmlformats.org/officeDocument/2006/relationships" xmlns:p="http://schemas.openxmlformats.org/presentationml/2006/main" xmlns:m="http://schemas.openxmlformats.org/officeDocument/2006/math" xmlns:a14="http://schemas.microsoft.com/office/drawing/2010/main" type="title" showMasterSp="0" showMasterPhAnim="1">
   <p:cSld name="TITLE">
     <p:bg>
       <p:bgPr>
@@ -510,14 +512,14 @@
       </p:grpSpPr>
       <p:sp>
         <p:nvSpPr>
-          <p:cNvPr id="11" name="Google Shape;10;p2"/>
+          <p:cNvPr id="13" name="Google Shape;10;p2"/>
           <p:cNvSpPr/>
           <p:nvPr/>
         </p:nvSpPr>
         <p:spPr>
           <a:xfrm>
-            <a:off x="2477723" y="415650"/>
-            <a:ext cx="6244201" cy="1"/>
+            <a:off x="2477722" y="415650"/>
+            <a:ext cx="6244203" cy="2"/>
           </a:xfrm>
           <a:prstGeom prst="line">
             <a:avLst/>
@@ -529,7 +531,7 @@
           </a:ln>
         </p:spPr>
         <p:txBody>
-          <a:bodyPr lIns="0" tIns="0" rIns="0" bIns="0"/>
+          <a:bodyPr lIns="45718" tIns="45718" rIns="45718" bIns="45718"/>
           <a:lstStyle/>
           <a:p>
             <a:pPr/>
@@ -538,14 +540,14 @@
       </p:sp>
       <p:sp>
         <p:nvSpPr>
-          <p:cNvPr id="12" name="Google Shape;11;p2"/>
+          <p:cNvPr id="14" name="Google Shape;11;p2"/>
           <p:cNvSpPr/>
           <p:nvPr/>
         </p:nvSpPr>
         <p:spPr>
           <a:xfrm>
-            <a:off x="2477723" y="4739999"/>
-            <a:ext cx="6244201" cy="1"/>
+            <a:off x="2477722" y="4739999"/>
+            <a:ext cx="6244203" cy="2"/>
           </a:xfrm>
           <a:prstGeom prst="line">
             <a:avLst/>
@@ -557,7 +559,7 @@
           </a:ln>
         </p:spPr>
         <p:txBody>
-          <a:bodyPr lIns="0" tIns="0" rIns="0" bIns="0"/>
+          <a:bodyPr lIns="45718" tIns="45718" rIns="45718" bIns="45718"/>
           <a:lstStyle/>
           <a:p>
             <a:pPr/>
@@ -566,14 +568,14 @@
       </p:sp>
       <p:sp>
         <p:nvSpPr>
-          <p:cNvPr id="13" name="Google Shape;12;p2"/>
+          <p:cNvPr id="15" name="Google Shape;12;p2"/>
           <p:cNvSpPr/>
           <p:nvPr/>
         </p:nvSpPr>
         <p:spPr>
           <a:xfrm>
             <a:off x="425197" y="415650"/>
-            <a:ext cx="183301" cy="1"/>
+            <a:ext cx="183302" cy="2"/>
           </a:xfrm>
           <a:prstGeom prst="line">
             <a:avLst/>
@@ -585,7 +587,7 @@
           </a:ln>
         </p:spPr>
         <p:txBody>
-          <a:bodyPr lIns="0" tIns="0" rIns="0" bIns="0"/>
+          <a:bodyPr lIns="45718" tIns="45718" rIns="45718" bIns="45718"/>
           <a:lstStyle/>
           <a:p>
             <a:pPr/>
@@ -594,7 +596,7 @@
       </p:sp>
       <p:sp>
         <p:nvSpPr>
-          <p:cNvPr id="14" name="Title Text"/>
+          <p:cNvPr id="16" name="Title Text"/>
           <p:cNvSpPr txBox="1"/>
           <p:nvPr>
             <p:ph type="title"/>
@@ -610,13 +612,17 @@
           </a:prstGeom>
         </p:spPr>
         <p:txBody>
-          <a:bodyPr/>
+          <a:bodyPr anchor="t"/>
           <a:lstStyle>
-            <a:lvl1pPr>
+            <a:lvl1pPr algn="l">
               <a:defRPr sz="4800">
                 <a:solidFill>
                   <a:srgbClr val="FFFFFF"/>
                 </a:solidFill>
+                <a:latin typeface="Raleway"/>
+                <a:ea typeface="Raleway"/>
+                <a:cs typeface="Raleway"/>
+                <a:sym typeface="Raleway"/>
               </a:defRPr>
             </a:lvl1pPr>
           </a:lstStyle>
@@ -630,7 +636,7 @@
       </p:sp>
       <p:sp>
         <p:nvSpPr>
-          <p:cNvPr id="15" name="Body Level One…"/>
+          <p:cNvPr id="17" name="Body Level One…"/>
           <p:cNvSpPr txBox="1"/>
           <p:nvPr>
             <p:ph type="body" sz="quarter" idx="1"/>
@@ -639,18 +645,16 @@
         <p:spPr>
           <a:xfrm>
             <a:off x="2390267" y="3238450"/>
-            <a:ext cx="6331501" cy="1241700"/>
-          </a:xfrm>
-          <a:prstGeom prst="rect">
-            <a:avLst/>
-          </a:prstGeom>
-        </p:spPr>
-        <p:txBody>
-          <a:bodyPr anchor="b">
-            <a:normAutofit fontScale="100000" lnSpcReduction="0"/>
-          </a:bodyPr>
+            <a:ext cx="6331502" cy="1241700"/>
+          </a:xfrm>
+          <a:prstGeom prst="rect">
+            <a:avLst/>
+          </a:prstGeom>
+        </p:spPr>
+        <p:txBody>
+          <a:bodyPr anchor="b"/>
           <a:lstStyle>
-            <a:lvl1pPr marL="342900" indent="-228600">
+            <a:lvl1pPr marL="228600" indent="-114300" algn="l">
               <a:lnSpc>
                 <a:spcPct val="100000"/>
               </a:lnSpc>
@@ -664,7 +668,7 @@
                 </a:solidFill>
               </a:defRPr>
             </a:lvl1pPr>
-            <a:lvl2pPr marL="342900" indent="254000">
+            <a:lvl2pPr marL="228600" indent="114300" algn="l">
               <a:lnSpc>
                 <a:spcPct val="100000"/>
               </a:lnSpc>
@@ -678,7 +682,7 @@
                 </a:solidFill>
               </a:defRPr>
             </a:lvl2pPr>
-            <a:lvl3pPr marL="342900" indent="711200">
+            <a:lvl3pPr marL="228600" indent="114300" algn="l">
               <a:lnSpc>
                 <a:spcPct val="100000"/>
               </a:lnSpc>
@@ -692,7 +696,7 @@
                 </a:solidFill>
               </a:defRPr>
             </a:lvl3pPr>
-            <a:lvl4pPr marL="342900" indent="1168400">
+            <a:lvl4pPr marL="228600" indent="114300" algn="l">
               <a:lnSpc>
                 <a:spcPct val="100000"/>
               </a:lnSpc>
@@ -706,7 +710,7 @@
                 </a:solidFill>
               </a:defRPr>
             </a:lvl4pPr>
-            <a:lvl5pPr marL="342900" indent="1625600">
+            <a:lvl5pPr marL="228600" indent="114300" algn="l">
               <a:lnSpc>
                 <a:spcPct val="100000"/>
               </a:lnSpc>
@@ -755,7 +759,7 @@
       </p:sp>
       <p:sp>
         <p:nvSpPr>
-          <p:cNvPr id="16" name="Slide Number"/>
+          <p:cNvPr id="18" name="Slide Number"/>
           <p:cNvSpPr txBox="1"/>
           <p:nvPr>
             <p:ph type="sldNum" sz="quarter" idx="2"/>
@@ -811,62 +815,6 @@
       </p:grpSpPr>
       <p:sp>
         <p:nvSpPr>
-          <p:cNvPr id="107" name="Google Shape;61;p11"/>
-          <p:cNvSpPr/>
-          <p:nvPr/>
-        </p:nvSpPr>
-        <p:spPr>
-          <a:xfrm>
-            <a:off x="425200" y="4739999"/>
-            <a:ext cx="8296801" cy="1"/>
-          </a:xfrm>
-          <a:prstGeom prst="line">
-            <a:avLst/>
-          </a:prstGeom>
-          <a:ln w="19050">
-            <a:solidFill>
-              <a:srgbClr val="000000"/>
-            </a:solidFill>
-          </a:ln>
-        </p:spPr>
-        <p:txBody>
-          <a:bodyPr lIns="0" tIns="0" rIns="0" bIns="0"/>
-          <a:lstStyle/>
-          <a:p>
-            <a:pPr/>
-          </a:p>
-        </p:txBody>
-      </p:sp>
-      <p:sp>
-        <p:nvSpPr>
-          <p:cNvPr id="108" name="Google Shape;62;p11"/>
-          <p:cNvSpPr/>
-          <p:nvPr/>
-        </p:nvSpPr>
-        <p:spPr>
-          <a:xfrm>
-            <a:off x="425200" y="415650"/>
-            <a:ext cx="8296801" cy="1"/>
-          </a:xfrm>
-          <a:prstGeom prst="line">
-            <a:avLst/>
-          </a:prstGeom>
-          <a:ln w="38100">
-            <a:solidFill>
-              <a:srgbClr val="000000"/>
-            </a:solidFill>
-          </a:ln>
-        </p:spPr>
-        <p:txBody>
-          <a:bodyPr lIns="0" tIns="0" rIns="0" bIns="0"/>
-          <a:lstStyle/>
-          <a:p>
-            <a:pPr/>
-          </a:p>
-        </p:txBody>
-      </p:sp>
-      <p:sp>
-        <p:nvSpPr>
           <p:cNvPr id="109" name="xx%"/>
           <p:cNvSpPr txBox="1"/>
           <p:nvPr>
@@ -874,29 +822,13 @@
           </p:nvPr>
         </p:nvSpPr>
         <p:spPr>
-          <a:xfrm>
-            <a:off x="853950" y="1304850"/>
-            <a:ext cx="7436101" cy="1538400"/>
-          </a:xfrm>
-          <a:prstGeom prst="rect">
-            <a:avLst/>
-          </a:prstGeom>
-        </p:spPr>
-        <p:txBody>
-          <a:bodyPr anchor="ctr"/>
-          <a:lstStyle>
-            <a:lvl1pPr algn="ctr">
-              <a:defRPr sz="9600">
-                <a:solidFill>
-                  <a:srgbClr val="F46524"/>
-                </a:solidFill>
-                <a:latin typeface="Lato"/>
-                <a:ea typeface="Lato"/>
-                <a:cs typeface="Lato"/>
-                <a:sym typeface="Lato"/>
-              </a:defRPr>
-            </a:lvl1pPr>
-          </a:lstStyle>
+          <a:prstGeom prst="rect">
+            <a:avLst/>
+          </a:prstGeom>
+        </p:spPr>
+        <p:txBody>
+          <a:bodyPr/>
+          <a:lstStyle/>
           <a:p>
             <a:pPr/>
             <a:r>
@@ -914,25 +846,13 @@
           </p:nvPr>
         </p:nvSpPr>
         <p:spPr>
-          <a:xfrm>
-            <a:off x="853950" y="2919450"/>
-            <a:ext cx="7436101" cy="1071601"/>
-          </a:xfrm>
-          <a:prstGeom prst="rect">
-            <a:avLst/>
-          </a:prstGeom>
-        </p:spPr>
-        <p:txBody>
-          <a:bodyPr>
-            <a:normAutofit fontScale="100000" lnSpcReduction="0"/>
-          </a:bodyPr>
-          <a:lstStyle>
-            <a:lvl1pPr algn="ctr"/>
-            <a:lvl2pPr algn="ctr"/>
-            <a:lvl3pPr algn="ctr"/>
-            <a:lvl4pPr algn="ctr"/>
-            <a:lvl5pPr algn="ctr"/>
-          </a:lstStyle>
+          <a:prstGeom prst="rect">
+            <a:avLst/>
+          </a:prstGeom>
+        </p:spPr>
+        <p:txBody>
+          <a:bodyPr/>
+          <a:lstStyle/>
           <a:p>
             <a:pPr/>
             <a:r>
@@ -997,7 +917,7 @@
 </file>
 
 <file path=ppt/slideLayouts/slideLayout11.xml><?xml version="1.0" encoding="utf-8"?>
-<p:sldLayout xmlns:a="http://schemas.openxmlformats.org/drawingml/2006/main" xmlns:r="http://schemas.openxmlformats.org/officeDocument/2006/relationships" xmlns:p="http://schemas.openxmlformats.org/presentationml/2006/main" xmlns:m="http://schemas.openxmlformats.org/officeDocument/2006/math" xmlns:a14="http://schemas.microsoft.com/office/drawing/2010/main" type="tx" showMasterSp="1" showMasterPhAnim="1">
+<p:sldLayout xmlns:a="http://schemas.openxmlformats.org/drawingml/2006/main" xmlns:r="http://schemas.openxmlformats.org/officeDocument/2006/relationships" xmlns:p="http://schemas.openxmlformats.org/presentationml/2006/main" xmlns:m="http://schemas.openxmlformats.org/officeDocument/2006/math" xmlns:a14="http://schemas.microsoft.com/office/drawing/2010/main" type="tx" showMasterSp="0" showMasterPhAnim="1">
   <p:cSld name="BLANK">
     <p:spTree>
       <p:nvGrpSpPr>
@@ -1045,7 +965,7 @@
 </file>
 
 <file path=ppt/slideLayouts/slideLayout2.xml><?xml version="1.0" encoding="utf-8"?>
-<p:sldLayout xmlns:a="http://schemas.openxmlformats.org/drawingml/2006/main" xmlns:r="http://schemas.openxmlformats.org/officeDocument/2006/relationships" xmlns:p="http://schemas.openxmlformats.org/presentationml/2006/main" xmlns:m="http://schemas.openxmlformats.org/officeDocument/2006/math" xmlns:a14="http://schemas.microsoft.com/office/drawing/2010/main" type="tx" showMasterSp="1" showMasterPhAnim="1">
+<p:sldLayout xmlns:a="http://schemas.openxmlformats.org/drawingml/2006/main" xmlns:r="http://schemas.openxmlformats.org/officeDocument/2006/relationships" xmlns:p="http://schemas.openxmlformats.org/presentationml/2006/main" xmlns:m="http://schemas.openxmlformats.org/officeDocument/2006/math" xmlns:a14="http://schemas.microsoft.com/office/drawing/2010/main" type="tx" showMasterSp="0" showMasterPhAnim="1">
   <p:cSld name="SECTION_HEADER">
     <p:bg>
       <p:bgPr>
@@ -1070,14 +990,14 @@
       </p:grpSpPr>
       <p:sp>
         <p:nvSpPr>
-          <p:cNvPr id="23" name="Google Shape;17;p3"/>
+          <p:cNvPr id="25" name="Google Shape;17;p3"/>
           <p:cNvSpPr/>
           <p:nvPr/>
         </p:nvSpPr>
         <p:spPr>
           <a:xfrm>
-            <a:off x="425200" y="415650"/>
-            <a:ext cx="8296801" cy="1"/>
+            <a:off x="425199" y="415650"/>
+            <a:ext cx="8296802" cy="2"/>
           </a:xfrm>
           <a:prstGeom prst="line">
             <a:avLst/>
@@ -1089,7 +1009,7 @@
           </a:ln>
         </p:spPr>
         <p:txBody>
-          <a:bodyPr lIns="0" tIns="0" rIns="0" bIns="0"/>
+          <a:bodyPr lIns="45718" tIns="45718" rIns="45718" bIns="45718"/>
           <a:lstStyle/>
           <a:p>
             <a:pPr/>
@@ -1098,14 +1018,14 @@
       </p:sp>
       <p:sp>
         <p:nvSpPr>
-          <p:cNvPr id="24" name="Google Shape;18;p3"/>
+          <p:cNvPr id="26" name="Google Shape;18;p3"/>
           <p:cNvSpPr/>
           <p:nvPr/>
         </p:nvSpPr>
         <p:spPr>
           <a:xfrm>
-            <a:off x="425200" y="4739999"/>
-            <a:ext cx="8296801" cy="1"/>
+            <a:off x="425199" y="4739999"/>
+            <a:ext cx="8296802" cy="2"/>
           </a:xfrm>
           <a:prstGeom prst="line">
             <a:avLst/>
@@ -1117,7 +1037,7 @@
           </a:ln>
         </p:spPr>
         <p:txBody>
-          <a:bodyPr lIns="0" tIns="0" rIns="0" bIns="0"/>
+          <a:bodyPr lIns="45718" tIns="45718" rIns="45718" bIns="45718"/>
           <a:lstStyle/>
           <a:p>
             <a:pPr/>
@@ -1126,7 +1046,7 @@
       </p:sp>
       <p:sp>
         <p:nvSpPr>
-          <p:cNvPr id="25" name="Title Text"/>
+          <p:cNvPr id="27" name="Title Text"/>
           <p:cNvSpPr txBox="1"/>
           <p:nvPr>
             <p:ph type="title"/>
@@ -1134,21 +1054,25 @@
         </p:nvSpPr>
         <p:spPr>
           <a:xfrm>
-            <a:off x="406424" y="1806824"/>
-            <a:ext cx="8296801" cy="1542001"/>
-          </a:xfrm>
-          <a:prstGeom prst="rect">
-            <a:avLst/>
-          </a:prstGeom>
-        </p:spPr>
-        <p:txBody>
-          <a:bodyPr anchor="ctr"/>
+            <a:off x="406423" y="1806824"/>
+            <a:ext cx="8296803" cy="1542002"/>
+          </a:xfrm>
+          <a:prstGeom prst="rect">
+            <a:avLst/>
+          </a:prstGeom>
+        </p:spPr>
+        <p:txBody>
+          <a:bodyPr/>
           <a:lstStyle>
-            <a:lvl1pPr algn="ctr">
+            <a:lvl1pPr>
               <a:defRPr sz="4800">
                 <a:solidFill>
                   <a:srgbClr val="FFFFFF"/>
                 </a:solidFill>
+                <a:latin typeface="Raleway"/>
+                <a:ea typeface="Raleway"/>
+                <a:cs typeface="Raleway"/>
+                <a:sym typeface="Raleway"/>
               </a:defRPr>
             </a:lvl1pPr>
           </a:lstStyle>
@@ -1162,7 +1086,7 @@
       </p:sp>
       <p:sp>
         <p:nvSpPr>
-          <p:cNvPr id="26" name="Slide Number"/>
+          <p:cNvPr id="28" name="Slide Number"/>
           <p:cNvSpPr txBox="1"/>
           <p:nvPr>
             <p:ph type="sldNum" sz="quarter" idx="2"/>
@@ -1200,7 +1124,7 @@
 </file>
 
 <file path=ppt/slideLayouts/slideLayout3.xml><?xml version="1.0" encoding="utf-8"?>
-<p:sldLayout xmlns:a="http://schemas.openxmlformats.org/drawingml/2006/main" xmlns:r="http://schemas.openxmlformats.org/officeDocument/2006/relationships" xmlns:p="http://schemas.openxmlformats.org/presentationml/2006/main" xmlns:m="http://schemas.openxmlformats.org/officeDocument/2006/math" xmlns:a14="http://schemas.microsoft.com/office/drawing/2010/main" type="tx" showMasterSp="1" showMasterPhAnim="1">
+<p:sldLayout xmlns:a="http://schemas.openxmlformats.org/drawingml/2006/main" xmlns:r="http://schemas.openxmlformats.org/officeDocument/2006/relationships" xmlns:p="http://schemas.openxmlformats.org/presentationml/2006/main" xmlns:m="http://schemas.openxmlformats.org/officeDocument/2006/math" xmlns:a14="http://schemas.microsoft.com/office/drawing/2010/main" type="tx" showMasterSp="0" showMasterPhAnim="1">
   <p:cSld name="TITLE_AND_BODY">
     <p:spTree>
       <p:nvGrpSpPr>
@@ -1218,14 +1142,14 @@
       </p:grpSpPr>
       <p:sp>
         <p:nvSpPr>
-          <p:cNvPr id="33" name="Google Shape;22;p4"/>
+          <p:cNvPr id="35" name="Google Shape;22;p4"/>
           <p:cNvSpPr/>
           <p:nvPr/>
         </p:nvSpPr>
         <p:spPr>
           <a:xfrm>
-            <a:off x="2477723" y="415650"/>
-            <a:ext cx="6244201" cy="1"/>
+            <a:off x="2477722" y="415650"/>
+            <a:ext cx="6244203" cy="2"/>
           </a:xfrm>
           <a:prstGeom prst="line">
             <a:avLst/>
@@ -1237,7 +1161,7 @@
           </a:ln>
         </p:spPr>
         <p:txBody>
-          <a:bodyPr lIns="0" tIns="0" rIns="0" bIns="0"/>
+          <a:bodyPr lIns="45718" tIns="45718" rIns="45718" bIns="45718"/>
           <a:lstStyle/>
           <a:p>
             <a:pPr/>
@@ -1246,14 +1170,14 @@
       </p:sp>
       <p:sp>
         <p:nvSpPr>
-          <p:cNvPr id="34" name="Google Shape;23;p4"/>
+          <p:cNvPr id="36" name="Google Shape;23;p4"/>
           <p:cNvSpPr/>
           <p:nvPr/>
         </p:nvSpPr>
         <p:spPr>
           <a:xfrm>
-            <a:off x="2477723" y="4739999"/>
-            <a:ext cx="6244201" cy="1"/>
+            <a:off x="2477722" y="4739999"/>
+            <a:ext cx="6244203" cy="2"/>
           </a:xfrm>
           <a:prstGeom prst="line">
             <a:avLst/>
@@ -1265,7 +1189,7 @@
           </a:ln>
         </p:spPr>
         <p:txBody>
-          <a:bodyPr lIns="0" tIns="0" rIns="0" bIns="0"/>
+          <a:bodyPr lIns="45718" tIns="45718" rIns="45718" bIns="45718"/>
           <a:lstStyle/>
           <a:p>
             <a:pPr/>
@@ -1274,14 +1198,14 @@
       </p:sp>
       <p:sp>
         <p:nvSpPr>
-          <p:cNvPr id="35" name="Google Shape;24;p4"/>
+          <p:cNvPr id="37" name="Google Shape;24;p4"/>
           <p:cNvSpPr/>
           <p:nvPr/>
         </p:nvSpPr>
         <p:spPr>
           <a:xfrm>
             <a:off x="425197" y="415650"/>
-            <a:ext cx="183301" cy="1"/>
+            <a:ext cx="183302" cy="2"/>
           </a:xfrm>
           <a:prstGeom prst="line">
             <a:avLst/>
@@ -1293,7 +1217,7 @@
           </a:ln>
         </p:spPr>
         <p:txBody>
-          <a:bodyPr lIns="0" tIns="0" rIns="0" bIns="0"/>
+          <a:bodyPr lIns="45718" tIns="45718" rIns="45718" bIns="45718"/>
           <a:lstStyle/>
           <a:p>
             <a:pPr/>
@@ -1302,7 +1226,7 @@
       </p:sp>
       <p:sp>
         <p:nvSpPr>
-          <p:cNvPr id="36" name="Title Text"/>
+          <p:cNvPr id="38" name="Title Text"/>
           <p:cNvSpPr txBox="1"/>
           <p:nvPr>
             <p:ph type="title"/>
@@ -1311,15 +1235,27 @@
         <p:spPr>
           <a:xfrm>
             <a:off x="2400250" y="575950"/>
-            <a:ext cx="6321601" cy="635401"/>
-          </a:xfrm>
-          <a:prstGeom prst="rect">
-            <a:avLst/>
-          </a:prstGeom>
-        </p:spPr>
-        <p:txBody>
-          <a:bodyPr/>
-          <a:lstStyle/>
+            <a:ext cx="6321601" cy="635402"/>
+          </a:xfrm>
+          <a:prstGeom prst="rect">
+            <a:avLst/>
+          </a:prstGeom>
+        </p:spPr>
+        <p:txBody>
+          <a:bodyPr anchor="t"/>
+          <a:lstStyle>
+            <a:lvl1pPr algn="l">
+              <a:defRPr sz="3000">
+                <a:solidFill>
+                  <a:srgbClr val="000000"/>
+                </a:solidFill>
+                <a:latin typeface="Raleway"/>
+                <a:ea typeface="Raleway"/>
+                <a:cs typeface="Raleway"/>
+                <a:sym typeface="Raleway"/>
+              </a:defRPr>
+            </a:lvl1pPr>
+          </a:lstStyle>
           <a:p>
             <a:pPr/>
             <a:r>
@@ -1330,7 +1266,7 @@
       </p:sp>
       <p:sp>
         <p:nvSpPr>
-          <p:cNvPr id="37" name="Body Level One…"/>
+          <p:cNvPr id="39" name="Body Level One…"/>
           <p:cNvSpPr txBox="1"/>
           <p:nvPr>
             <p:ph type="body" idx="1"/>
@@ -1339,17 +1275,21 @@
         <p:spPr>
           <a:xfrm>
             <a:off x="2410111" y="1595776"/>
-            <a:ext cx="6321602" cy="3002401"/>
-          </a:xfrm>
-          <a:prstGeom prst="rect">
-            <a:avLst/>
-          </a:prstGeom>
-        </p:spPr>
-        <p:txBody>
-          <a:bodyPr>
-            <a:normAutofit fontScale="100000" lnSpcReduction="0"/>
-          </a:bodyPr>
-          <a:lstStyle/>
+            <a:ext cx="6321603" cy="3002402"/>
+          </a:xfrm>
+          <a:prstGeom prst="rect">
+            <a:avLst/>
+          </a:prstGeom>
+        </p:spPr>
+        <p:txBody>
+          <a:bodyPr/>
+          <a:lstStyle>
+            <a:lvl1pPr algn="l"/>
+            <a:lvl2pPr algn="l"/>
+            <a:lvl3pPr algn="l"/>
+            <a:lvl4pPr algn="l"/>
+            <a:lvl5pPr algn="l"/>
+          </a:lstStyle>
           <a:p>
             <a:pPr/>
             <a:r>
@@ -1384,7 +1324,7 @@
       </p:sp>
       <p:sp>
         <p:nvSpPr>
-          <p:cNvPr id="38" name="Slide Number"/>
+          <p:cNvPr id="40" name="Slide Number"/>
           <p:cNvSpPr txBox="1"/>
           <p:nvPr>
             <p:ph type="sldNum" sz="quarter" idx="2"/>
@@ -1414,7 +1354,7 @@
 </file>
 
 <file path=ppt/slideLayouts/slideLayout4.xml><?xml version="1.0" encoding="utf-8"?>
-<p:sldLayout xmlns:a="http://schemas.openxmlformats.org/drawingml/2006/main" xmlns:r="http://schemas.openxmlformats.org/officeDocument/2006/relationships" xmlns:p="http://schemas.openxmlformats.org/presentationml/2006/main" xmlns:m="http://schemas.openxmlformats.org/officeDocument/2006/math" xmlns:a14="http://schemas.microsoft.com/office/drawing/2010/main" type="tx" showMasterSp="1" showMasterPhAnim="1">
+<p:sldLayout xmlns:a="http://schemas.openxmlformats.org/drawingml/2006/main" xmlns:r="http://schemas.openxmlformats.org/officeDocument/2006/relationships" xmlns:p="http://schemas.openxmlformats.org/presentationml/2006/main" xmlns:m="http://schemas.openxmlformats.org/officeDocument/2006/math" xmlns:a14="http://schemas.microsoft.com/office/drawing/2010/main" type="tx" showMasterSp="0" showMasterPhAnim="1">
   <p:cSld name="TITLE_AND_TWO_COLUMNS">
     <p:spTree>
       <p:nvGrpSpPr>
@@ -1432,14 +1372,14 @@
       </p:grpSpPr>
       <p:sp>
         <p:nvSpPr>
-          <p:cNvPr id="45" name="Google Shape;29;p5"/>
+          <p:cNvPr id="47" name="Google Shape;29;p5"/>
           <p:cNvSpPr/>
           <p:nvPr/>
         </p:nvSpPr>
         <p:spPr>
           <a:xfrm>
-            <a:off x="2477723" y="415650"/>
-            <a:ext cx="6244201" cy="1"/>
+            <a:off x="2477722" y="415650"/>
+            <a:ext cx="6244203" cy="2"/>
           </a:xfrm>
           <a:prstGeom prst="line">
             <a:avLst/>
@@ -1451,7 +1391,7 @@
           </a:ln>
         </p:spPr>
         <p:txBody>
-          <a:bodyPr lIns="0" tIns="0" rIns="0" bIns="0"/>
+          <a:bodyPr lIns="45718" tIns="45718" rIns="45718" bIns="45718"/>
           <a:lstStyle/>
           <a:p>
             <a:pPr/>
@@ -1460,14 +1400,14 @@
       </p:sp>
       <p:sp>
         <p:nvSpPr>
-          <p:cNvPr id="46" name="Google Shape;30;p5"/>
+          <p:cNvPr id="48" name="Google Shape;30;p5"/>
           <p:cNvSpPr/>
           <p:nvPr/>
         </p:nvSpPr>
         <p:spPr>
           <a:xfrm>
-            <a:off x="2477723" y="4739999"/>
-            <a:ext cx="6244201" cy="1"/>
+            <a:off x="2477722" y="4739999"/>
+            <a:ext cx="6244203" cy="2"/>
           </a:xfrm>
           <a:prstGeom prst="line">
             <a:avLst/>
@@ -1479,7 +1419,7 @@
           </a:ln>
         </p:spPr>
         <p:txBody>
-          <a:bodyPr lIns="0" tIns="0" rIns="0" bIns="0"/>
+          <a:bodyPr lIns="45718" tIns="45718" rIns="45718" bIns="45718"/>
           <a:lstStyle/>
           <a:p>
             <a:pPr/>
@@ -1488,14 +1428,14 @@
       </p:sp>
       <p:sp>
         <p:nvSpPr>
-          <p:cNvPr id="47" name="Google Shape;31;p5"/>
+          <p:cNvPr id="49" name="Google Shape;31;p5"/>
           <p:cNvSpPr/>
           <p:nvPr/>
         </p:nvSpPr>
         <p:spPr>
           <a:xfrm>
             <a:off x="425197" y="415650"/>
-            <a:ext cx="183301" cy="1"/>
+            <a:ext cx="183302" cy="2"/>
           </a:xfrm>
           <a:prstGeom prst="line">
             <a:avLst/>
@@ -1507,7 +1447,7 @@
           </a:ln>
         </p:spPr>
         <p:txBody>
-          <a:bodyPr lIns="0" tIns="0" rIns="0" bIns="0"/>
+          <a:bodyPr lIns="45718" tIns="45718" rIns="45718" bIns="45718"/>
           <a:lstStyle/>
           <a:p>
             <a:pPr/>
@@ -1516,7 +1456,7 @@
       </p:sp>
       <p:sp>
         <p:nvSpPr>
-          <p:cNvPr id="48" name="Title Text"/>
+          <p:cNvPr id="50" name="Title Text"/>
           <p:cNvSpPr txBox="1"/>
           <p:nvPr>
             <p:ph type="title"/>
@@ -1525,15 +1465,27 @@
         <p:spPr>
           <a:xfrm>
             <a:off x="2400250" y="575950"/>
-            <a:ext cx="6321601" cy="635401"/>
-          </a:xfrm>
-          <a:prstGeom prst="rect">
-            <a:avLst/>
-          </a:prstGeom>
-        </p:spPr>
-        <p:txBody>
-          <a:bodyPr/>
-          <a:lstStyle/>
+            <a:ext cx="6321601" cy="635402"/>
+          </a:xfrm>
+          <a:prstGeom prst="rect">
+            <a:avLst/>
+          </a:prstGeom>
+        </p:spPr>
+        <p:txBody>
+          <a:bodyPr anchor="t"/>
+          <a:lstStyle>
+            <a:lvl1pPr algn="l">
+              <a:defRPr sz="3000">
+                <a:solidFill>
+                  <a:srgbClr val="000000"/>
+                </a:solidFill>
+                <a:latin typeface="Raleway"/>
+                <a:ea typeface="Raleway"/>
+                <a:cs typeface="Raleway"/>
+                <a:sym typeface="Raleway"/>
+              </a:defRPr>
+            </a:lvl1pPr>
+          </a:lstStyle>
           <a:p>
             <a:pPr/>
             <a:r>
@@ -1544,7 +1496,7 @@
       </p:sp>
       <p:sp>
         <p:nvSpPr>
-          <p:cNvPr id="49" name="Body Level One…"/>
+          <p:cNvPr id="51" name="Body Level One…"/>
           <p:cNvSpPr txBox="1"/>
           <p:nvPr>
             <p:ph type="body" sz="quarter" idx="1"/>
@@ -1552,35 +1504,33 @@
         </p:nvSpPr>
         <p:spPr>
           <a:xfrm>
-            <a:off x="2400302" y="1602675"/>
-            <a:ext cx="3071401" cy="3002401"/>
-          </a:xfrm>
-          <a:prstGeom prst="rect">
-            <a:avLst/>
-          </a:prstGeom>
-        </p:spPr>
-        <p:txBody>
-          <a:bodyPr>
-            <a:normAutofit fontScale="100000" lnSpcReduction="0"/>
-          </a:bodyPr>
+            <a:off x="2400301" y="1602675"/>
+            <a:ext cx="3071403" cy="3002402"/>
+          </a:xfrm>
+          <a:prstGeom prst="rect">
+            <a:avLst/>
+          </a:prstGeom>
+        </p:spPr>
+        <p:txBody>
+          <a:bodyPr/>
           <a:lstStyle>
-            <a:lvl1pPr indent="-317500">
+            <a:lvl1pPr indent="-317500" algn="l">
               <a:buSzPts val="1400"/>
               <a:defRPr sz="1400"/>
             </a:lvl1pPr>
-            <a:lvl2pPr marL="965200" indent="-355600">
+            <a:lvl2pPr marL="965200" indent="-355600" algn="l">
               <a:buSzPts val="1400"/>
               <a:defRPr sz="1400"/>
             </a:lvl2pPr>
-            <a:lvl3pPr marL="1422400" indent="-355600">
+            <a:lvl3pPr marL="1422400" indent="-355600" algn="l">
               <a:buSzPts val="1400"/>
               <a:defRPr sz="1400"/>
             </a:lvl3pPr>
-            <a:lvl4pPr marL="1879600" indent="-355600">
+            <a:lvl4pPr marL="1879600" indent="-355600" algn="l">
               <a:buSzPts val="1400"/>
               <a:defRPr sz="1400"/>
             </a:lvl4pPr>
-            <a:lvl5pPr marL="2336800" indent="-355600">
+            <a:lvl5pPr marL="2336800" indent="-355600" algn="l">
               <a:buSzPts val="1400"/>
               <a:defRPr sz="1400"/>
             </a:lvl5pPr>
@@ -1619,7 +1569,7 @@
       </p:sp>
       <p:sp>
         <p:nvSpPr>
-          <p:cNvPr id="50" name="Google Shape;34;p5"/>
+          <p:cNvPr id="52" name="Google Shape;34;p5"/>
           <p:cNvSpPr txBox="1"/>
           <p:nvPr>
             <p:ph type="body" sz="quarter" idx="21"/>
@@ -1628,28 +1578,23 @@
         <p:spPr>
           <a:xfrm>
             <a:off x="5650572" y="1602675"/>
-            <a:ext cx="3071401" cy="3002401"/>
-          </a:xfrm>
-          <a:prstGeom prst="rect">
-            <a:avLst/>
-          </a:prstGeom>
-        </p:spPr>
-        <p:txBody>
-          <a:bodyPr>
-            <a:normAutofit fontScale="100000" lnSpcReduction="0"/>
-          </a:bodyPr>
+            <a:ext cx="3071402" cy="3002402"/>
+          </a:xfrm>
+          <a:prstGeom prst="rect">
+            <a:avLst/>
+          </a:prstGeom>
+        </p:spPr>
+        <p:txBody>
+          <a:bodyPr/>
           <a:lstStyle/>
           <a:p>
-            <a:pPr indent="-317500">
-              <a:buSzPts val="1400"/>
-              <a:defRPr sz="1400"/>
-            </a:pPr>
-          </a:p>
-        </p:txBody>
-      </p:sp>
-      <p:sp>
-        <p:nvSpPr>
-          <p:cNvPr id="51" name="Slide Number"/>
+            <a:pPr algn="l"/>
+          </a:p>
+        </p:txBody>
+      </p:sp>
+      <p:sp>
+        <p:nvSpPr>
+          <p:cNvPr id="53" name="Slide Number"/>
           <p:cNvSpPr txBox="1"/>
           <p:nvPr>
             <p:ph type="sldNum" sz="quarter" idx="2"/>
@@ -1679,7 +1624,7 @@
 </file>
 
 <file path=ppt/slideLayouts/slideLayout5.xml><?xml version="1.0" encoding="utf-8"?>
-<p:sldLayout xmlns:a="http://schemas.openxmlformats.org/drawingml/2006/main" xmlns:r="http://schemas.openxmlformats.org/officeDocument/2006/relationships" xmlns:p="http://schemas.openxmlformats.org/presentationml/2006/main" xmlns:m="http://schemas.openxmlformats.org/officeDocument/2006/math" xmlns:a14="http://schemas.microsoft.com/office/drawing/2010/main" type="tx" showMasterSp="1" showMasterPhAnim="1">
+<p:sldLayout xmlns:a="http://schemas.openxmlformats.org/drawingml/2006/main" xmlns:r="http://schemas.openxmlformats.org/officeDocument/2006/relationships" xmlns:p="http://schemas.openxmlformats.org/presentationml/2006/main" xmlns:m="http://schemas.openxmlformats.org/officeDocument/2006/math" xmlns:a14="http://schemas.microsoft.com/office/drawing/2010/main" type="tx" showMasterSp="0" showMasterPhAnim="1">
   <p:cSld name="TITLE_ONLY">
     <p:spTree>
       <p:nvGrpSpPr>
@@ -1697,20 +1642,36 @@
       </p:grpSpPr>
       <p:sp>
         <p:nvSpPr>
-          <p:cNvPr id="58" name="Title Text"/>
+          <p:cNvPr id="60" name="Title Text"/>
           <p:cNvSpPr txBox="1"/>
           <p:nvPr>
             <p:ph type="title"/>
           </p:nvPr>
         </p:nvSpPr>
         <p:spPr>
-          <a:prstGeom prst="rect">
-            <a:avLst/>
-          </a:prstGeom>
-        </p:spPr>
-        <p:txBody>
-          <a:bodyPr/>
-          <a:lstStyle/>
+          <a:xfrm>
+            <a:off x="303299" y="411575"/>
+            <a:ext cx="8520602" cy="639602"/>
+          </a:xfrm>
+          <a:prstGeom prst="rect">
+            <a:avLst/>
+          </a:prstGeom>
+        </p:spPr>
+        <p:txBody>
+          <a:bodyPr anchor="t"/>
+          <a:lstStyle>
+            <a:lvl1pPr algn="l">
+              <a:defRPr sz="3000">
+                <a:solidFill>
+                  <a:srgbClr val="000000"/>
+                </a:solidFill>
+                <a:latin typeface="Raleway"/>
+                <a:ea typeface="Raleway"/>
+                <a:cs typeface="Raleway"/>
+                <a:sym typeface="Raleway"/>
+              </a:defRPr>
+            </a:lvl1pPr>
+          </a:lstStyle>
           <a:p>
             <a:pPr/>
             <a:r>
@@ -1721,7 +1682,7 @@
       </p:sp>
       <p:sp>
         <p:nvSpPr>
-          <p:cNvPr id="59" name="Slide Number"/>
+          <p:cNvPr id="61" name="Slide Number"/>
           <p:cNvSpPr txBox="1"/>
           <p:nvPr>
             <p:ph type="sldNum" sz="quarter" idx="2"/>
@@ -1751,7 +1712,7 @@
 </file>
 
 <file path=ppt/slideLayouts/slideLayout6.xml><?xml version="1.0" encoding="utf-8"?>
-<p:sldLayout xmlns:a="http://schemas.openxmlformats.org/drawingml/2006/main" xmlns:r="http://schemas.openxmlformats.org/officeDocument/2006/relationships" xmlns:p="http://schemas.openxmlformats.org/presentationml/2006/main" xmlns:m="http://schemas.openxmlformats.org/officeDocument/2006/math" xmlns:a14="http://schemas.microsoft.com/office/drawing/2010/main" type="tx" showMasterSp="1" showMasterPhAnim="1">
+<p:sldLayout xmlns:a="http://schemas.openxmlformats.org/drawingml/2006/main" xmlns:r="http://schemas.openxmlformats.org/officeDocument/2006/relationships" xmlns:p="http://schemas.openxmlformats.org/presentationml/2006/main" xmlns:m="http://schemas.openxmlformats.org/officeDocument/2006/math" xmlns:a14="http://schemas.microsoft.com/office/drawing/2010/main" type="tx" showMasterSp="0" showMasterPhAnim="1">
   <p:cSld name="ONE_COLUMN_TEXT">
     <p:spTree>
       <p:nvGrpSpPr>
@@ -1769,14 +1730,14 @@
       </p:grpSpPr>
       <p:sp>
         <p:nvSpPr>
-          <p:cNvPr id="66" name="Google Shape;40;p7"/>
+          <p:cNvPr id="68" name="Google Shape;40;p7"/>
           <p:cNvSpPr/>
           <p:nvPr/>
         </p:nvSpPr>
         <p:spPr>
           <a:xfrm>
             <a:off x="425197" y="415650"/>
-            <a:ext cx="183301" cy="1"/>
+            <a:ext cx="183302" cy="2"/>
           </a:xfrm>
           <a:prstGeom prst="line">
             <a:avLst/>
@@ -1788,7 +1749,7 @@
           </a:ln>
         </p:spPr>
         <p:txBody>
-          <a:bodyPr lIns="0" tIns="0" rIns="0" bIns="0"/>
+          <a:bodyPr lIns="45718" tIns="45718" rIns="45718" bIns="45718"/>
           <a:lstStyle/>
           <a:p>
             <a:pPr/>
@@ -1797,7 +1758,7 @@
       </p:sp>
       <p:sp>
         <p:nvSpPr>
-          <p:cNvPr id="67" name="Title Text"/>
+          <p:cNvPr id="69" name="Title Text"/>
           <p:cNvSpPr txBox="1"/>
           <p:nvPr>
             <p:ph type="title"/>
@@ -1806,7 +1767,7 @@
         <p:spPr>
           <a:xfrm>
             <a:off x="319499" y="936600"/>
-            <a:ext cx="2808001" cy="755700"/>
+            <a:ext cx="2808002" cy="755700"/>
           </a:xfrm>
           <a:prstGeom prst="rect">
             <a:avLst/>
@@ -1815,8 +1776,16 @@
         <p:txBody>
           <a:bodyPr anchor="b"/>
           <a:lstStyle>
-            <a:lvl1pPr>
-              <a:defRPr sz="2400"/>
+            <a:lvl1pPr algn="l">
+              <a:defRPr sz="2400">
+                <a:solidFill>
+                  <a:srgbClr val="000000"/>
+                </a:solidFill>
+                <a:latin typeface="Raleway"/>
+                <a:ea typeface="Raleway"/>
+                <a:cs typeface="Raleway"/>
+                <a:sym typeface="Raleway"/>
+              </a:defRPr>
             </a:lvl1pPr>
           </a:lstStyle>
           <a:p>
@@ -1829,7 +1798,7 @@
       </p:sp>
       <p:sp>
         <p:nvSpPr>
-          <p:cNvPr id="68" name="Body Level One…"/>
+          <p:cNvPr id="70" name="Body Level One…"/>
           <p:cNvSpPr txBox="1"/>
           <p:nvPr>
             <p:ph type="body" sz="quarter" idx="1"/>
@@ -1837,35 +1806,33 @@
         </p:nvSpPr>
         <p:spPr>
           <a:xfrm>
-            <a:off x="319499" y="1846803"/>
-            <a:ext cx="2808001" cy="2806201"/>
-          </a:xfrm>
-          <a:prstGeom prst="rect">
-            <a:avLst/>
-          </a:prstGeom>
-        </p:spPr>
-        <p:txBody>
-          <a:bodyPr>
-            <a:normAutofit fontScale="100000" lnSpcReduction="0"/>
-          </a:bodyPr>
+            <a:off x="319499" y="1846802"/>
+            <a:ext cx="2808002" cy="2806202"/>
+          </a:xfrm>
+          <a:prstGeom prst="rect">
+            <a:avLst/>
+          </a:prstGeom>
+        </p:spPr>
+        <p:txBody>
+          <a:bodyPr/>
           <a:lstStyle>
-            <a:lvl1pPr indent="-304800">
+            <a:lvl1pPr indent="-304800" algn="l">
               <a:buSzPts val="1200"/>
               <a:defRPr sz="1200"/>
             </a:lvl1pPr>
-            <a:lvl2pPr marL="914400" indent="-304800">
+            <a:lvl2pPr marL="914400" indent="-304800" algn="l">
               <a:buSzPts val="1200"/>
               <a:defRPr sz="1200"/>
             </a:lvl2pPr>
-            <a:lvl3pPr marL="1371600" indent="-304800">
+            <a:lvl3pPr marL="1371600" indent="-304800" algn="l">
               <a:buSzPts val="1200"/>
               <a:defRPr sz="1200"/>
             </a:lvl3pPr>
-            <a:lvl4pPr marL="1828800" indent="-304800">
+            <a:lvl4pPr marL="1828800" indent="-304800" algn="l">
               <a:buSzPts val="1200"/>
               <a:defRPr sz="1200"/>
             </a:lvl4pPr>
-            <a:lvl5pPr marL="2286000" indent="-304800">
+            <a:lvl5pPr marL="2286000" indent="-304800" algn="l">
               <a:buSzPts val="1200"/>
               <a:defRPr sz="1200"/>
             </a:lvl5pPr>
@@ -1904,7 +1871,7 @@
       </p:sp>
       <p:sp>
         <p:nvSpPr>
-          <p:cNvPr id="69" name="Slide Number"/>
+          <p:cNvPr id="71" name="Slide Number"/>
           <p:cNvSpPr txBox="1"/>
           <p:nvPr>
             <p:ph type="sldNum" sz="quarter" idx="2"/>
@@ -1934,7 +1901,7 @@
 </file>
 
 <file path=ppt/slideLayouts/slideLayout7.xml><?xml version="1.0" encoding="utf-8"?>
-<p:sldLayout xmlns:a="http://schemas.openxmlformats.org/drawingml/2006/main" xmlns:r="http://schemas.openxmlformats.org/officeDocument/2006/relationships" xmlns:p="http://schemas.openxmlformats.org/presentationml/2006/main" xmlns:m="http://schemas.openxmlformats.org/officeDocument/2006/math" xmlns:a14="http://schemas.microsoft.com/office/drawing/2010/main" type="tx" showMasterSp="1" showMasterPhAnim="1">
+<p:sldLayout xmlns:a="http://schemas.openxmlformats.org/drawingml/2006/main" xmlns:r="http://schemas.openxmlformats.org/officeDocument/2006/relationships" xmlns:p="http://schemas.openxmlformats.org/presentationml/2006/main" xmlns:m="http://schemas.openxmlformats.org/officeDocument/2006/math" xmlns:a14="http://schemas.microsoft.com/office/drawing/2010/main" type="tx" showMasterSp="0" showMasterPhAnim="1">
   <p:cSld name="MAIN_POINT">
     <p:bg>
       <p:bgPr>
@@ -1959,14 +1926,14 @@
       </p:grpSpPr>
       <p:sp>
         <p:nvSpPr>
-          <p:cNvPr id="76" name="Google Shape;45;p8"/>
+          <p:cNvPr id="78" name="Google Shape;45;p8"/>
           <p:cNvSpPr/>
           <p:nvPr/>
         </p:nvSpPr>
         <p:spPr>
           <a:xfrm>
             <a:off x="425197" y="415650"/>
-            <a:ext cx="183301" cy="1"/>
+            <a:ext cx="183302" cy="2"/>
           </a:xfrm>
           <a:prstGeom prst="line">
             <a:avLst/>
@@ -1978,7 +1945,7 @@
           </a:ln>
         </p:spPr>
         <p:txBody>
-          <a:bodyPr lIns="0" tIns="0" rIns="0" bIns="0"/>
+          <a:bodyPr lIns="45718" tIns="45718" rIns="45718" bIns="45718"/>
           <a:lstStyle/>
           <a:p>
             <a:pPr/>
@@ -1987,7 +1954,7 @@
       </p:sp>
       <p:sp>
         <p:nvSpPr>
-          <p:cNvPr id="77" name="Title Text"/>
+          <p:cNvPr id="79" name="Title Text"/>
           <p:cNvSpPr txBox="1"/>
           <p:nvPr>
             <p:ph type="title"/>
@@ -1996,20 +1963,24 @@
         <p:spPr>
           <a:xfrm>
             <a:off x="283102" y="712140"/>
-            <a:ext cx="6244201" cy="3835501"/>
-          </a:xfrm>
-          <a:prstGeom prst="rect">
-            <a:avLst/>
-          </a:prstGeom>
-        </p:spPr>
-        <p:txBody>
-          <a:bodyPr anchor="ctr"/>
+            <a:ext cx="6244202" cy="3835502"/>
+          </a:xfrm>
+          <a:prstGeom prst="rect">
+            <a:avLst/>
+          </a:prstGeom>
+        </p:spPr>
+        <p:txBody>
+          <a:bodyPr/>
           <a:lstStyle>
-            <a:lvl1pPr>
+            <a:lvl1pPr algn="l">
               <a:defRPr sz="4800">
                 <a:solidFill>
                   <a:srgbClr val="FFFFFF"/>
                 </a:solidFill>
+                <a:latin typeface="Raleway"/>
+                <a:ea typeface="Raleway"/>
+                <a:cs typeface="Raleway"/>
+                <a:sym typeface="Raleway"/>
               </a:defRPr>
             </a:lvl1pPr>
           </a:lstStyle>
@@ -2023,7 +1994,7 @@
       </p:sp>
       <p:sp>
         <p:nvSpPr>
-          <p:cNvPr id="78" name="Slide Number"/>
+          <p:cNvPr id="80" name="Slide Number"/>
           <p:cNvSpPr txBox="1"/>
           <p:nvPr>
             <p:ph type="sldNum" sz="quarter" idx="2"/>
@@ -2061,7 +2032,7 @@
 </file>
 
 <file path=ppt/slideLayouts/slideLayout8.xml><?xml version="1.0" encoding="utf-8"?>
-<p:sldLayout xmlns:a="http://schemas.openxmlformats.org/drawingml/2006/main" xmlns:r="http://schemas.openxmlformats.org/officeDocument/2006/relationships" xmlns:p="http://schemas.openxmlformats.org/presentationml/2006/main" xmlns:m="http://schemas.openxmlformats.org/officeDocument/2006/math" xmlns:a14="http://schemas.microsoft.com/office/drawing/2010/main" type="tx" showMasterSp="1" showMasterPhAnim="1">
+<p:sldLayout xmlns:a="http://schemas.openxmlformats.org/drawingml/2006/main" xmlns:r="http://schemas.openxmlformats.org/officeDocument/2006/relationships" xmlns:p="http://schemas.openxmlformats.org/presentationml/2006/main" xmlns:m="http://schemas.openxmlformats.org/officeDocument/2006/math" xmlns:a14="http://schemas.microsoft.com/office/drawing/2010/main" type="tx" showMasterSp="0" showMasterPhAnim="1">
   <p:cSld name="SECTION_TITLE_AND_DESCRIPTION">
     <p:spTree>
       <p:nvGrpSpPr>
@@ -2079,14 +2050,14 @@
       </p:grpSpPr>
       <p:sp>
         <p:nvSpPr>
-          <p:cNvPr id="85" name="Google Shape;49;p9"/>
+          <p:cNvPr id="87" name="Google Shape;49;p9"/>
           <p:cNvSpPr/>
           <p:nvPr/>
         </p:nvSpPr>
         <p:spPr>
           <a:xfrm>
-            <a:off x="4572000" y="124"/>
-            <a:ext cx="4572000" cy="5143501"/>
+            <a:off x="4572000" y="123"/>
+            <a:ext cx="4572000" cy="5143503"/>
           </a:xfrm>
           <a:prstGeom prst="rect">
             <a:avLst/>
@@ -2114,14 +2085,14 @@
       </p:sp>
       <p:sp>
         <p:nvSpPr>
-          <p:cNvPr id="86" name="Google Shape;50;p9"/>
+          <p:cNvPr id="88" name="Google Shape;50;p9"/>
           <p:cNvSpPr/>
           <p:nvPr/>
         </p:nvSpPr>
         <p:spPr>
           <a:xfrm>
             <a:off x="5029675" y="4495500"/>
-            <a:ext cx="468301" cy="1"/>
+            <a:ext cx="468302" cy="2"/>
           </a:xfrm>
           <a:prstGeom prst="line">
             <a:avLst/>
@@ -2133,7 +2104,7 @@
           </a:ln>
         </p:spPr>
         <p:txBody>
-          <a:bodyPr lIns="0" tIns="0" rIns="0" bIns="0"/>
+          <a:bodyPr lIns="45718" tIns="45718" rIns="45718" bIns="45718"/>
           <a:lstStyle/>
           <a:p>
             <a:pPr/>
@@ -2142,7 +2113,7 @@
       </p:sp>
       <p:sp>
         <p:nvSpPr>
-          <p:cNvPr id="87" name="Title Text"/>
+          <p:cNvPr id="89" name="Title Text"/>
           <p:cNvSpPr txBox="1"/>
           <p:nvPr>
             <p:ph type="title"/>
@@ -2151,7 +2122,7 @@
         <p:spPr>
           <a:xfrm>
             <a:off x="265500" y="1397349"/>
-            <a:ext cx="4045200" cy="1318201"/>
+            <a:ext cx="4045200" cy="1318202"/>
           </a:xfrm>
           <a:prstGeom prst="rect">
             <a:avLst/>
@@ -2160,11 +2131,12 @@
         <p:txBody>
           <a:bodyPr anchor="b"/>
           <a:lstStyle>
-            <a:lvl1pPr algn="ctr">
+            <a:lvl1pPr>
               <a:defRPr sz="3600">
-                <a:solidFill>
-                  <a:srgbClr val="F46524"/>
-                </a:solidFill>
+                <a:latin typeface="Raleway"/>
+                <a:ea typeface="Raleway"/>
+                <a:cs typeface="Raleway"/>
+                <a:sym typeface="Raleway"/>
               </a:defRPr>
             </a:lvl1pPr>
           </a:lstStyle>
@@ -2178,7 +2150,7 @@
       </p:sp>
       <p:sp>
         <p:nvSpPr>
-          <p:cNvPr id="88" name="Body Level One…"/>
+          <p:cNvPr id="90" name="Body Level One…"/>
           <p:cNvSpPr txBox="1"/>
           <p:nvPr>
             <p:ph type="body" sz="quarter" idx="1"/>
@@ -2187,18 +2159,16 @@
         <p:spPr>
           <a:xfrm>
             <a:off x="265500" y="2735371"/>
-            <a:ext cx="4045200" cy="1345501"/>
-          </a:xfrm>
-          <a:prstGeom prst="rect">
-            <a:avLst/>
-          </a:prstGeom>
-        </p:spPr>
-        <p:txBody>
-          <a:bodyPr>
-            <a:normAutofit fontScale="100000" lnSpcReduction="0"/>
-          </a:bodyPr>
+            <a:ext cx="4045200" cy="1345502"/>
+          </a:xfrm>
+          <a:prstGeom prst="rect">
+            <a:avLst/>
+          </a:prstGeom>
+        </p:spPr>
+        <p:txBody>
+          <a:bodyPr/>
           <a:lstStyle>
-            <a:lvl1pPr marL="342900" indent="-228600" algn="ctr">
+            <a:lvl1pPr marL="228600" indent="-114300">
               <a:lnSpc>
                 <a:spcPct val="100000"/>
               </a:lnSpc>
@@ -2208,7 +2178,7 @@
               <a:buNone/>
               <a:defRPr sz="2100"/>
             </a:lvl1pPr>
-            <a:lvl2pPr marL="342900" indent="254000" algn="ctr">
+            <a:lvl2pPr marL="228600" indent="114300">
               <a:lnSpc>
                 <a:spcPct val="100000"/>
               </a:lnSpc>
@@ -2218,7 +2188,7 @@
               <a:buNone/>
               <a:defRPr sz="2100"/>
             </a:lvl2pPr>
-            <a:lvl3pPr marL="342900" indent="711200" algn="ctr">
+            <a:lvl3pPr marL="228600" indent="114300">
               <a:lnSpc>
                 <a:spcPct val="100000"/>
               </a:lnSpc>
@@ -2228,7 +2198,7 @@
               <a:buNone/>
               <a:defRPr sz="2100"/>
             </a:lvl3pPr>
-            <a:lvl4pPr marL="342900" indent="1168400" algn="ctr">
+            <a:lvl4pPr marL="228600" indent="114300">
               <a:lnSpc>
                 <a:spcPct val="100000"/>
               </a:lnSpc>
@@ -2238,7 +2208,7 @@
               <a:buNone/>
               <a:defRPr sz="2100"/>
             </a:lvl4pPr>
-            <a:lvl5pPr marL="342900" indent="1625600" algn="ctr">
+            <a:lvl5pPr marL="228600" indent="114300">
               <a:lnSpc>
                 <a:spcPct val="100000"/>
               </a:lnSpc>
@@ -2283,7 +2253,7 @@
       </p:sp>
       <p:sp>
         <p:nvSpPr>
-          <p:cNvPr id="89" name="Google Shape;53;p9"/>
+          <p:cNvPr id="91" name="Google Shape;53;p9"/>
           <p:cNvSpPr txBox="1"/>
           <p:nvPr>
             <p:ph type="body" sz="half" idx="21"/>
@@ -2291,35 +2261,24 @@
         </p:nvSpPr>
         <p:spPr>
           <a:xfrm>
-            <a:off x="4939500" y="724199"/>
-            <a:ext cx="3837000" cy="3695101"/>
-          </a:xfrm>
-          <a:prstGeom prst="rect">
-            <a:avLst/>
-          </a:prstGeom>
-        </p:spPr>
-        <p:txBody>
-          <a:bodyPr anchor="ctr">
-            <a:normAutofit fontScale="100000" lnSpcReduction="0"/>
-          </a:bodyPr>
+            <a:off x="4939500" y="724198"/>
+            <a:ext cx="3837000" cy="3695102"/>
+          </a:xfrm>
+          <a:prstGeom prst="rect">
+            <a:avLst/>
+          </a:prstGeom>
+        </p:spPr>
+        <p:txBody>
+          <a:bodyPr anchor="ctr"/>
           <a:lstStyle/>
           <a:p>
-            <a:pPr>
-              <a:buClr>
-                <a:srgbClr val="FFFFFF"/>
-              </a:buClr>
-              <a:defRPr>
-                <a:solidFill>
-                  <a:srgbClr val="FFFFFF"/>
-                </a:solidFill>
-              </a:defRPr>
-            </a:pPr>
-          </a:p>
-        </p:txBody>
-      </p:sp>
-      <p:sp>
-        <p:nvSpPr>
-          <p:cNvPr id="90" name="Slide Number"/>
+            <a:pPr algn="l"/>
+          </a:p>
+        </p:txBody>
+      </p:sp>
+      <p:sp>
+        <p:nvSpPr>
+          <p:cNvPr id="92" name="Slide Number"/>
           <p:cNvSpPr txBox="1"/>
           <p:nvPr>
             <p:ph type="sldNum" sz="quarter" idx="2"/>
@@ -2357,7 +2316,7 @@
 </file>
 
 <file path=ppt/slideLayouts/slideLayout9.xml><?xml version="1.0" encoding="utf-8"?>
-<p:sldLayout xmlns:a="http://schemas.openxmlformats.org/drawingml/2006/main" xmlns:r="http://schemas.openxmlformats.org/officeDocument/2006/relationships" xmlns:p="http://schemas.openxmlformats.org/presentationml/2006/main" xmlns:m="http://schemas.openxmlformats.org/officeDocument/2006/math" xmlns:a14="http://schemas.microsoft.com/office/drawing/2010/main" type="tx" showMasterSp="1" showMasterPhAnim="1">
+<p:sldLayout xmlns:a="http://schemas.openxmlformats.org/drawingml/2006/main" xmlns:r="http://schemas.openxmlformats.org/officeDocument/2006/relationships" xmlns:p="http://schemas.openxmlformats.org/presentationml/2006/main" xmlns:m="http://schemas.openxmlformats.org/officeDocument/2006/math" xmlns:a14="http://schemas.microsoft.com/office/drawing/2010/main" type="tx" showMasterSp="0" showMasterPhAnim="1">
   <p:cSld name="CAPTION_ONLY">
     <p:spTree>
       <p:nvGrpSpPr>
@@ -2375,14 +2334,14 @@
       </p:grpSpPr>
       <p:sp>
         <p:nvSpPr>
-          <p:cNvPr id="97" name="Google Shape;56;p10"/>
+          <p:cNvPr id="99" name="Google Shape;56;p10"/>
           <p:cNvSpPr/>
           <p:nvPr/>
         </p:nvSpPr>
         <p:spPr>
           <a:xfrm>
-            <a:off x="425200" y="4739999"/>
-            <a:ext cx="8296801" cy="1"/>
+            <a:off x="425199" y="4739999"/>
+            <a:ext cx="8296802" cy="2"/>
           </a:xfrm>
           <a:prstGeom prst="line">
             <a:avLst/>
@@ -2394,7 +2353,7 @@
           </a:ln>
         </p:spPr>
         <p:txBody>
-          <a:bodyPr lIns="0" tIns="0" rIns="0" bIns="0"/>
+          <a:bodyPr lIns="45718" tIns="45718" rIns="45718" bIns="45718"/>
           <a:lstStyle/>
           <a:p>
             <a:pPr/>
@@ -2403,14 +2362,14 @@
       </p:sp>
       <p:sp>
         <p:nvSpPr>
-          <p:cNvPr id="98" name="Google Shape;57;p10"/>
+          <p:cNvPr id="100" name="Google Shape;57;p10"/>
           <p:cNvSpPr/>
           <p:nvPr/>
         </p:nvSpPr>
         <p:spPr>
           <a:xfrm>
             <a:off x="425197" y="415650"/>
-            <a:ext cx="183301" cy="1"/>
+            <a:ext cx="183302" cy="2"/>
           </a:xfrm>
           <a:prstGeom prst="line">
             <a:avLst/>
@@ -2422,7 +2381,7 @@
           </a:ln>
         </p:spPr>
         <p:txBody>
-          <a:bodyPr lIns="0" tIns="0" rIns="0" bIns="0"/>
+          <a:bodyPr lIns="45718" tIns="45718" rIns="45718" bIns="45718"/>
           <a:lstStyle/>
           <a:p>
             <a:pPr/>
@@ -2431,7 +2390,7 @@
       </p:sp>
       <p:sp>
         <p:nvSpPr>
-          <p:cNvPr id="99" name="Body Level One…"/>
+          <p:cNvPr id="101" name="Body Level One…"/>
           <p:cNvSpPr txBox="1"/>
           <p:nvPr>
             <p:ph type="body" sz="quarter" idx="1"/>
@@ -2439,19 +2398,17 @@
         </p:nvSpPr>
         <p:spPr>
           <a:xfrm>
-            <a:off x="328016" y="4226024"/>
-            <a:ext cx="8388602" cy="393601"/>
-          </a:xfrm>
-          <a:prstGeom prst="rect">
-            <a:avLst/>
-          </a:prstGeom>
-        </p:spPr>
-        <p:txBody>
-          <a:bodyPr anchor="ctr">
-            <a:normAutofit fontScale="100000" lnSpcReduction="0"/>
-          </a:bodyPr>
+            <a:off x="328016" y="4226023"/>
+            <a:ext cx="8388602" cy="393602"/>
+          </a:xfrm>
+          <a:prstGeom prst="rect">
+            <a:avLst/>
+          </a:prstGeom>
+        </p:spPr>
+        <p:txBody>
+          <a:bodyPr anchor="ctr"/>
           <a:lstStyle>
-            <a:lvl1pPr marL="228600" indent="0">
+            <a:lvl1pPr marL="0" indent="228600" algn="l">
               <a:lnSpc>
                 <a:spcPct val="100000"/>
               </a:lnSpc>
@@ -2460,28 +2417,28 @@
               <a:buFontTx/>
               <a:buNone/>
             </a:lvl1pPr>
-            <a:lvl2pPr>
+            <a:lvl2pPr algn="l">
               <a:lnSpc>
                 <a:spcPct val="100000"/>
               </a:lnSpc>
               <a:buClrTx/>
               <a:buFontTx/>
             </a:lvl2pPr>
-            <a:lvl3pPr>
+            <a:lvl3pPr algn="l">
               <a:lnSpc>
                 <a:spcPct val="100000"/>
               </a:lnSpc>
               <a:buClrTx/>
               <a:buFontTx/>
             </a:lvl3pPr>
-            <a:lvl4pPr>
+            <a:lvl4pPr algn="l">
               <a:lnSpc>
                 <a:spcPct val="100000"/>
               </a:lnSpc>
               <a:buClrTx/>
               <a:buFontTx/>
             </a:lvl4pPr>
-            <a:lvl5pPr>
+            <a:lvl5pPr algn="l">
               <a:lnSpc>
                 <a:spcPct val="100000"/>
               </a:lnSpc>
@@ -2523,7 +2480,7 @@
       </p:sp>
       <p:sp>
         <p:nvSpPr>
-          <p:cNvPr id="100" name="Slide Number"/>
+          <p:cNvPr id="102" name="Slide Number"/>
           <p:cNvSpPr txBox="1"/>
           <p:nvPr>
             <p:ph type="sldNum" sz="quarter" idx="2"/>
@@ -2578,16 +2535,72 @@
       </p:grpSpPr>
       <p:sp>
         <p:nvSpPr>
-          <p:cNvPr id="2" name="Title Text"/>
+          <p:cNvPr id="2" name="Google Shape;61;p11"/>
+          <p:cNvSpPr/>
+          <p:nvPr/>
+        </p:nvSpPr>
+        <p:spPr>
+          <a:xfrm>
+            <a:off x="425199" y="4739999"/>
+            <a:ext cx="8296802" cy="2"/>
+          </a:xfrm>
+          <a:prstGeom prst="line">
+            <a:avLst/>
+          </a:prstGeom>
+          <a:ln w="19050">
+            <a:solidFill>
+              <a:srgbClr val="000000"/>
+            </a:solidFill>
+          </a:ln>
+        </p:spPr>
+        <p:txBody>
+          <a:bodyPr lIns="45718" tIns="45718" rIns="45718" bIns="45718"/>
+          <a:lstStyle/>
+          <a:p>
+            <a:pPr/>
+          </a:p>
+        </p:txBody>
+      </p:sp>
+      <p:sp>
+        <p:nvSpPr>
+          <p:cNvPr id="3" name="Google Shape;62;p11"/>
+          <p:cNvSpPr/>
+          <p:nvPr/>
+        </p:nvSpPr>
+        <p:spPr>
+          <a:xfrm>
+            <a:off x="425199" y="415650"/>
+            <a:ext cx="8296802" cy="2"/>
+          </a:xfrm>
+          <a:prstGeom prst="line">
+            <a:avLst/>
+          </a:prstGeom>
+          <a:ln w="38100">
+            <a:solidFill>
+              <a:srgbClr val="000000"/>
+            </a:solidFill>
+          </a:ln>
+        </p:spPr>
+        <p:txBody>
+          <a:bodyPr lIns="45718" tIns="45718" rIns="45718" bIns="45718"/>
+          <a:lstStyle/>
+          <a:p>
+            <a:pPr/>
+          </a:p>
+        </p:txBody>
+      </p:sp>
+      <p:sp>
+        <p:nvSpPr>
+          <p:cNvPr id="4" name="xx%"/>
           <p:cNvSpPr txBox="1"/>
           <p:nvPr>
-            <p:ph type="title"/>
+            <p:ph type="title" hasCustomPrompt="1"/>
           </p:nvPr>
         </p:nvSpPr>
         <p:spPr>
           <a:xfrm>
-            <a:off x="303299" y="411575"/>
-            <a:ext cx="8520602" cy="639601"/>
+            <a:off x="853950" y="1304850"/>
+            <a:ext cx="7436102" cy="1538400"/>
           </a:xfrm>
           <a:prstGeom prst="rect">
             <a:avLst/>
@@ -2602,21 +2615,21 @@
           </a:extLst>
         </p:spPr>
         <p:txBody>
-          <a:bodyPr lIns="91424" tIns="91424" rIns="91424" bIns="91424">
+          <a:bodyPr lIns="91423" tIns="91423" rIns="91423" bIns="91423" anchor="ctr">
             <a:normAutofit fontScale="100000" lnSpcReduction="0"/>
           </a:bodyPr>
           <a:lstStyle/>
           <a:p>
             <a:pPr/>
             <a:r>
-              <a:t>Title Text</a:t>
-            </a:r>
-          </a:p>
-        </p:txBody>
-      </p:sp>
-      <p:sp>
-        <p:nvSpPr>
-          <p:cNvPr id="3" name="Body Level One…"/>
+              <a:t>xx%</a:t>
+            </a:r>
+          </a:p>
+        </p:txBody>
+      </p:sp>
+      <p:sp>
+        <p:nvSpPr>
+          <p:cNvPr id="5" name="Body Level One…"/>
           <p:cNvSpPr txBox="1"/>
           <p:nvPr>
             <p:ph type="body" idx="1"/>
@@ -2624,8 +2637,8 @@
         </p:nvSpPr>
         <p:spPr>
           <a:xfrm>
-            <a:off x="457200" y="1200150"/>
-            <a:ext cx="8229600" cy="3943350"/>
+            <a:off x="853950" y="2919450"/>
+            <a:ext cx="7436102" cy="1071602"/>
           </a:xfrm>
           <a:prstGeom prst="rect">
             <a:avLst/>
@@ -2640,7 +2653,9 @@
           </a:extLst>
         </p:spPr>
         <p:txBody>
-          <a:bodyPr lIns="91424" tIns="91424" rIns="91424" bIns="91424"/>
+          <a:bodyPr lIns="91423" tIns="91423" rIns="91423" bIns="91423">
+            <a:normAutofit fontScale="100000" lnSpcReduction="0"/>
+          </a:bodyPr>
           <a:lstStyle/>
           <a:p>
             <a:pPr/>
@@ -2676,7 +2691,7 @@
       </p:sp>
       <p:sp>
         <p:nvSpPr>
-          <p:cNvPr id="4" name="Slide Number"/>
+          <p:cNvPr id="6" name="Slide Number"/>
           <p:cNvSpPr txBox="1"/>
           <p:nvPr>
             <p:ph type="sldNum" sz="quarter" idx="2"/>
@@ -2684,8 +2699,8 @@
         </p:nvSpPr>
         <p:spPr>
           <a:xfrm>
-            <a:off x="8709886" y="4717934"/>
-            <a:ext cx="336814" cy="335251"/>
+            <a:off x="8709889" y="4717935"/>
+            <a:ext cx="336812" cy="335249"/>
           </a:xfrm>
           <a:prstGeom prst="rect">
             <a:avLst/>
@@ -2695,7 +2710,7 @@
           </a:ln>
         </p:spPr>
         <p:txBody>
-          <a:bodyPr wrap="none" lIns="91424" tIns="91424" rIns="91424" bIns="91424" anchor="ctr">
+          <a:bodyPr wrap="none" lIns="91423" tIns="91423" rIns="91423" bIns="91423" anchor="ctr">
             <a:spAutoFit/>
           </a:bodyPr>
           <a:lstStyle>
@@ -2736,7 +2751,7 @@
   <p:transition xmlns:p14="http://schemas.microsoft.com/office/powerpoint/2010/main" spd="med" advClick="1"/>
   <p:txStyles>
     <p:titleStyle>
-      <a:lvl1pPr marL="0" marR="0" indent="0" algn="l" defTabSz="914400" rtl="0" latinLnBrk="0">
+      <a:lvl1pPr marL="0" marR="0" indent="0" algn="ctr" defTabSz="914400" rtl="0" latinLnBrk="0">
         <a:lnSpc>
           <a:spcPct val="100000"/>
         </a:lnSpc>
@@ -2751,18 +2766,18 @@
         <a:buFontTx/>
         <a:buNone/>
         <a:tabLst/>
-        <a:defRPr b="1" baseline="0" cap="none" i="0" spc="0" strike="noStrike" sz="3000" u="none">
+        <a:defRPr b="1" baseline="0" cap="none" i="0" spc="0" strike="noStrike" sz="9600" u="none">
           <a:solidFill>
-            <a:srgbClr val="000000"/>
+            <a:srgbClr val="F46524"/>
           </a:solidFill>
           <a:uFillTx/>
-          <a:latin typeface="Raleway"/>
-          <a:ea typeface="Raleway"/>
-          <a:cs typeface="Raleway"/>
-          <a:sym typeface="Raleway"/>
+          <a:latin typeface="Lato"/>
+          <a:ea typeface="Lato"/>
+          <a:cs typeface="Lato"/>
+          <a:sym typeface="Lato"/>
         </a:defRPr>
       </a:lvl1pPr>
-      <a:lvl2pPr marL="0" marR="0" indent="0" algn="l" defTabSz="914400" rtl="0" latinLnBrk="0">
+      <a:lvl2pPr marL="0" marR="0" indent="0" algn="ctr" defTabSz="914400" rtl="0" latinLnBrk="0">
         <a:lnSpc>
           <a:spcPct val="100000"/>
         </a:lnSpc>
@@ -2777,18 +2792,18 @@
         <a:buFontTx/>
         <a:buNone/>
         <a:tabLst/>
-        <a:defRPr b="1" baseline="0" cap="none" i="0" spc="0" strike="noStrike" sz="3000" u="none">
+        <a:defRPr b="1" baseline="0" cap="none" i="0" spc="0" strike="noStrike" sz="9600" u="none">
           <a:solidFill>
-            <a:srgbClr val="000000"/>
+            <a:srgbClr val="F46524"/>
           </a:solidFill>
           <a:uFillTx/>
-          <a:latin typeface="Raleway"/>
-          <a:ea typeface="Raleway"/>
-          <a:cs typeface="Raleway"/>
-          <a:sym typeface="Raleway"/>
+          <a:latin typeface="Lato"/>
+          <a:ea typeface="Lato"/>
+          <a:cs typeface="Lato"/>
+          <a:sym typeface="Lato"/>
         </a:defRPr>
       </a:lvl2pPr>
-      <a:lvl3pPr marL="0" marR="0" indent="0" algn="l" defTabSz="914400" rtl="0" latinLnBrk="0">
+      <a:lvl3pPr marL="0" marR="0" indent="0" algn="ctr" defTabSz="914400" rtl="0" latinLnBrk="0">
         <a:lnSpc>
           <a:spcPct val="100000"/>
         </a:lnSpc>
@@ -2803,18 +2818,18 @@
         <a:buFontTx/>
         <a:buNone/>
         <a:tabLst/>
-        <a:defRPr b="1" baseline="0" cap="none" i="0" spc="0" strike="noStrike" sz="3000" u="none">
+        <a:defRPr b="1" baseline="0" cap="none" i="0" spc="0" strike="noStrike" sz="9600" u="none">
           <a:solidFill>
-            <a:srgbClr val="000000"/>
+            <a:srgbClr val="F46524"/>
           </a:solidFill>
           <a:uFillTx/>
-          <a:latin typeface="Raleway"/>
-          <a:ea typeface="Raleway"/>
-          <a:cs typeface="Raleway"/>
-          <a:sym typeface="Raleway"/>
+          <a:latin typeface="Lato"/>
+          <a:ea typeface="Lato"/>
+          <a:cs typeface="Lato"/>
+          <a:sym typeface="Lato"/>
         </a:defRPr>
       </a:lvl3pPr>
-      <a:lvl4pPr marL="0" marR="0" indent="0" algn="l" defTabSz="914400" rtl="0" latinLnBrk="0">
+      <a:lvl4pPr marL="0" marR="0" indent="0" algn="ctr" defTabSz="914400" rtl="0" latinLnBrk="0">
         <a:lnSpc>
           <a:spcPct val="100000"/>
         </a:lnSpc>
@@ -2829,18 +2844,18 @@
         <a:buFontTx/>
         <a:buNone/>
         <a:tabLst/>
-        <a:defRPr b="1" baseline="0" cap="none" i="0" spc="0" strike="noStrike" sz="3000" u="none">
+        <a:defRPr b="1" baseline="0" cap="none" i="0" spc="0" strike="noStrike" sz="9600" u="none">
           <a:solidFill>
-            <a:srgbClr val="000000"/>
+            <a:srgbClr val="F46524"/>
           </a:solidFill>
           <a:uFillTx/>
-          <a:latin typeface="Raleway"/>
-          <a:ea typeface="Raleway"/>
-          <a:cs typeface="Raleway"/>
-          <a:sym typeface="Raleway"/>
+          <a:latin typeface="Lato"/>
+          <a:ea typeface="Lato"/>
+          <a:cs typeface="Lato"/>
+          <a:sym typeface="Lato"/>
         </a:defRPr>
       </a:lvl4pPr>
-      <a:lvl5pPr marL="0" marR="0" indent="0" algn="l" defTabSz="914400" rtl="0" latinLnBrk="0">
+      <a:lvl5pPr marL="0" marR="0" indent="0" algn="ctr" defTabSz="914400" rtl="0" latinLnBrk="0">
         <a:lnSpc>
           <a:spcPct val="100000"/>
         </a:lnSpc>
@@ -2855,18 +2870,18 @@
         <a:buFontTx/>
         <a:buNone/>
         <a:tabLst/>
-        <a:defRPr b="1" baseline="0" cap="none" i="0" spc="0" strike="noStrike" sz="3000" u="none">
+        <a:defRPr b="1" baseline="0" cap="none" i="0" spc="0" strike="noStrike" sz="9600" u="none">
           <a:solidFill>
-            <a:srgbClr val="000000"/>
+            <a:srgbClr val="F46524"/>
           </a:solidFill>
           <a:uFillTx/>
-          <a:latin typeface="Raleway"/>
-          <a:ea typeface="Raleway"/>
-          <a:cs typeface="Raleway"/>
-          <a:sym typeface="Raleway"/>
+          <a:latin typeface="Lato"/>
+          <a:ea typeface="Lato"/>
+          <a:cs typeface="Lato"/>
+          <a:sym typeface="Lato"/>
         </a:defRPr>
       </a:lvl5pPr>
-      <a:lvl6pPr marL="0" marR="0" indent="0" algn="l" defTabSz="914400" rtl="0" latinLnBrk="0">
+      <a:lvl6pPr marL="0" marR="0" indent="0" algn="ctr" defTabSz="914400" rtl="0" latinLnBrk="0">
         <a:lnSpc>
           <a:spcPct val="100000"/>
         </a:lnSpc>
@@ -2881,18 +2896,18 @@
         <a:buFontTx/>
         <a:buNone/>
         <a:tabLst/>
-        <a:defRPr b="1" baseline="0" cap="none" i="0" spc="0" strike="noStrike" sz="3000" u="none">
+        <a:defRPr b="1" baseline="0" cap="none" i="0" spc="0" strike="noStrike" sz="9600" u="none">
           <a:solidFill>
-            <a:srgbClr val="000000"/>
+            <a:srgbClr val="F46524"/>
           </a:solidFill>
           <a:uFillTx/>
-          <a:latin typeface="Raleway"/>
-          <a:ea typeface="Raleway"/>
-          <a:cs typeface="Raleway"/>
-          <a:sym typeface="Raleway"/>
+          <a:latin typeface="Lato"/>
+          <a:ea typeface="Lato"/>
+          <a:cs typeface="Lato"/>
+          <a:sym typeface="Lato"/>
         </a:defRPr>
       </a:lvl6pPr>
-      <a:lvl7pPr marL="0" marR="0" indent="0" algn="l" defTabSz="914400" rtl="0" latinLnBrk="0">
+      <a:lvl7pPr marL="0" marR="0" indent="0" algn="ctr" defTabSz="914400" rtl="0" latinLnBrk="0">
         <a:lnSpc>
           <a:spcPct val="100000"/>
         </a:lnSpc>
@@ -2907,18 +2922,18 @@
         <a:buFontTx/>
         <a:buNone/>
         <a:tabLst/>
-        <a:defRPr b="1" baseline="0" cap="none" i="0" spc="0" strike="noStrike" sz="3000" u="none">
+        <a:defRPr b="1" baseline="0" cap="none" i="0" spc="0" strike="noStrike" sz="9600" u="none">
           <a:solidFill>
-            <a:srgbClr val="000000"/>
+            <a:srgbClr val="F46524"/>
           </a:solidFill>
           <a:uFillTx/>
-          <a:latin typeface="Raleway"/>
-          <a:ea typeface="Raleway"/>
-          <a:cs typeface="Raleway"/>
-          <a:sym typeface="Raleway"/>
+          <a:latin typeface="Lato"/>
+          <a:ea typeface="Lato"/>
+          <a:cs typeface="Lato"/>
+          <a:sym typeface="Lato"/>
         </a:defRPr>
       </a:lvl7pPr>
-      <a:lvl8pPr marL="0" marR="0" indent="0" algn="l" defTabSz="914400" rtl="0" latinLnBrk="0">
+      <a:lvl8pPr marL="0" marR="0" indent="0" algn="ctr" defTabSz="914400" rtl="0" latinLnBrk="0">
         <a:lnSpc>
           <a:spcPct val="100000"/>
         </a:lnSpc>
@@ -2933,18 +2948,18 @@
         <a:buFontTx/>
         <a:buNone/>
         <a:tabLst/>
-        <a:defRPr b="1" baseline="0" cap="none" i="0" spc="0" strike="noStrike" sz="3000" u="none">
+        <a:defRPr b="1" baseline="0" cap="none" i="0" spc="0" strike="noStrike" sz="9600" u="none">
           <a:solidFill>
-            <a:srgbClr val="000000"/>
+            <a:srgbClr val="F46524"/>
           </a:solidFill>
           <a:uFillTx/>
-          <a:latin typeface="Raleway"/>
-          <a:ea typeface="Raleway"/>
-          <a:cs typeface="Raleway"/>
-          <a:sym typeface="Raleway"/>
+          <a:latin typeface="Lato"/>
+          <a:ea typeface="Lato"/>
+          <a:cs typeface="Lato"/>
+          <a:sym typeface="Lato"/>
         </a:defRPr>
       </a:lvl8pPr>
-      <a:lvl9pPr marL="0" marR="0" indent="0" algn="l" defTabSz="914400" rtl="0" latinLnBrk="0">
+      <a:lvl9pPr marL="0" marR="0" indent="0" algn="ctr" defTabSz="914400" rtl="0" latinLnBrk="0">
         <a:lnSpc>
           <a:spcPct val="100000"/>
         </a:lnSpc>
@@ -2959,20 +2974,20 @@
         <a:buFontTx/>
         <a:buNone/>
         <a:tabLst/>
-        <a:defRPr b="1" baseline="0" cap="none" i="0" spc="0" strike="noStrike" sz="3000" u="none">
+        <a:defRPr b="1" baseline="0" cap="none" i="0" spc="0" strike="noStrike" sz="9600" u="none">
           <a:solidFill>
-            <a:srgbClr val="000000"/>
+            <a:srgbClr val="F46524"/>
           </a:solidFill>
           <a:uFillTx/>
-          <a:latin typeface="Raleway"/>
-          <a:ea typeface="Raleway"/>
-          <a:cs typeface="Raleway"/>
-          <a:sym typeface="Raleway"/>
+          <a:latin typeface="Lato"/>
+          <a:ea typeface="Lato"/>
+          <a:cs typeface="Lato"/>
+          <a:sym typeface="Lato"/>
         </a:defRPr>
       </a:lvl9pPr>
     </p:titleStyle>
     <p:bodyStyle>
-      <a:lvl1pPr marL="457200" marR="0" indent="-342900" algn="l" defTabSz="914400" rtl="0" latinLnBrk="0">
+      <a:lvl1pPr marL="457200" marR="0" indent="-342900" algn="ctr" defTabSz="914400" rtl="0" latinLnBrk="0">
         <a:lnSpc>
           <a:spcPct val="115000"/>
         </a:lnSpc>
@@ -3000,7 +3015,7 @@
           <a:sym typeface="Lato"/>
         </a:defRPr>
       </a:lvl1pPr>
-      <a:lvl2pPr marL="1005114" marR="0" indent="-408214" algn="l" defTabSz="914400" rtl="0" latinLnBrk="0">
+      <a:lvl2pPr marL="1005114" marR="0" indent="-408213" algn="ctr" defTabSz="914400" rtl="0" latinLnBrk="0">
         <a:lnSpc>
           <a:spcPct val="115000"/>
         </a:lnSpc>
@@ -3028,7 +3043,7 @@
           <a:sym typeface="Lato"/>
         </a:defRPr>
       </a:lvl2pPr>
-      <a:lvl3pPr marL="1462314" marR="0" indent="-408214" algn="l" defTabSz="914400" rtl="0" latinLnBrk="0">
+      <a:lvl3pPr marL="1462314" marR="0" indent="-408214" algn="ctr" defTabSz="914400" rtl="0" latinLnBrk="0">
         <a:lnSpc>
           <a:spcPct val="115000"/>
         </a:lnSpc>
@@ -3056,7 +3071,7 @@
           <a:sym typeface="Lato"/>
         </a:defRPr>
       </a:lvl3pPr>
-      <a:lvl4pPr marL="1919514" marR="0" indent="-408214" algn="l" defTabSz="914400" rtl="0" latinLnBrk="0">
+      <a:lvl4pPr marL="1919514" marR="0" indent="-408214" algn="ctr" defTabSz="914400" rtl="0" latinLnBrk="0">
         <a:lnSpc>
           <a:spcPct val="115000"/>
         </a:lnSpc>
@@ -3084,7 +3099,7 @@
           <a:sym typeface="Lato"/>
         </a:defRPr>
       </a:lvl4pPr>
-      <a:lvl5pPr marL="2376714" marR="0" indent="-408214" algn="l" defTabSz="914400" rtl="0" latinLnBrk="0">
+      <a:lvl5pPr marL="2376714" marR="0" indent="-408214" algn="ctr" defTabSz="914400" rtl="0" latinLnBrk="0">
         <a:lnSpc>
           <a:spcPct val="115000"/>
         </a:lnSpc>
@@ -3112,7 +3127,7 @@
           <a:sym typeface="Lato"/>
         </a:defRPr>
       </a:lvl5pPr>
-      <a:lvl6pPr marL="2833914" marR="0" indent="-408214" algn="l" defTabSz="914400" rtl="0" latinLnBrk="0">
+      <a:lvl6pPr marL="2833914" marR="0" indent="-408214" algn="ctr" defTabSz="914400" rtl="0" latinLnBrk="0">
         <a:lnSpc>
           <a:spcPct val="115000"/>
         </a:lnSpc>
@@ -3140,7 +3155,7 @@
           <a:sym typeface="Lato"/>
         </a:defRPr>
       </a:lvl6pPr>
-      <a:lvl7pPr marL="3291114" marR="0" indent="-408214" algn="l" defTabSz="914400" rtl="0" latinLnBrk="0">
+      <a:lvl7pPr marL="3291113" marR="0" indent="-408214" algn="ctr" defTabSz="914400" rtl="0" latinLnBrk="0">
         <a:lnSpc>
           <a:spcPct val="115000"/>
         </a:lnSpc>
@@ -3168,7 +3183,7 @@
           <a:sym typeface="Lato"/>
         </a:defRPr>
       </a:lvl7pPr>
-      <a:lvl8pPr marL="3748314" marR="0" indent="-408214" algn="l" defTabSz="914400" rtl="0" latinLnBrk="0">
+      <a:lvl8pPr marL="3748313" marR="0" indent="-408213" algn="ctr" defTabSz="914400" rtl="0" latinLnBrk="0">
         <a:lnSpc>
           <a:spcPct val="115000"/>
         </a:lnSpc>
@@ -3196,7 +3211,7 @@
           <a:sym typeface="Lato"/>
         </a:defRPr>
       </a:lvl8pPr>
-      <a:lvl9pPr marL="4205514" marR="0" indent="-408214" algn="l" defTabSz="914400" rtl="0" latinLnBrk="0">
+      <a:lvl9pPr marL="4205513" marR="0" indent="-408213" algn="ctr" defTabSz="914400" rtl="0" latinLnBrk="0">
         <a:lnSpc>
           <a:spcPct val="115000"/>
         </a:lnSpc>
@@ -3492,8 +3507,8 @@
         </p:nvSpPr>
         <p:spPr>
           <a:xfrm>
-            <a:off x="2371725" y="630224"/>
-            <a:ext cx="4383000" cy="949202"/>
+            <a:off x="2371725" y="630223"/>
+            <a:ext cx="4383000" cy="949204"/>
           </a:xfrm>
           <a:prstGeom prst="rect">
             <a:avLst/>
@@ -3530,8 +3545,8 @@
         <p:txBody>
           <a:bodyPr/>
           <a:lstStyle>
-            <a:lvl1pPr marL="0" indent="0" defTabSz="768095">
-              <a:defRPr sz="1512"/>
+            <a:lvl1pPr marL="0" indent="0" defTabSz="768094">
+              <a:defRPr sz="1500"/>
             </a:lvl1pPr>
           </a:lstStyle>
           <a:p>
@@ -3550,8 +3565,8 @@
         </p:nvSpPr>
         <p:spPr>
           <a:xfrm>
-            <a:off x="2464124" y="2331274"/>
-            <a:ext cx="6146701" cy="1148051"/>
+            <a:off x="2464123" y="2331273"/>
+            <a:ext cx="6146703" cy="1148049"/>
           </a:xfrm>
           <a:prstGeom prst="rect">
             <a:avLst/>
@@ -3566,7 +3581,7 @@
           </a:extLst>
         </p:spPr>
         <p:txBody>
-          <a:bodyPr lIns="91424" tIns="91424" rIns="91424" bIns="91424">
+          <a:bodyPr lIns="91423" tIns="91423" rIns="91423" bIns="91423">
             <a:spAutoFit/>
           </a:bodyPr>
           <a:lstStyle/>
@@ -3662,8 +3677,8 @@
         </p:nvSpPr>
         <p:spPr>
           <a:xfrm>
-            <a:off x="2766824" y="4288299"/>
-            <a:ext cx="6146701" cy="436851"/>
+            <a:off x="2766823" y="4288299"/>
+            <a:ext cx="6146703" cy="436849"/>
           </a:xfrm>
           <a:prstGeom prst="rect">
             <a:avLst/>
@@ -3678,7 +3693,7 @@
           </a:extLst>
         </p:spPr>
         <p:txBody>
-          <a:bodyPr lIns="91424" tIns="91424" rIns="91424" bIns="91424">
+          <a:bodyPr lIns="91423" tIns="91423" rIns="91423" bIns="91423">
             <a:spAutoFit/>
           </a:bodyPr>
           <a:lstStyle>
@@ -3746,8 +3761,8 @@
         </p:blipFill>
         <p:spPr>
           <a:xfrm>
-            <a:off x="3556499" y="173750"/>
-            <a:ext cx="5276851" cy="4533901"/>
+            <a:off x="3556498" y="173750"/>
+            <a:ext cx="5276852" cy="4533902"/>
           </a:xfrm>
           <a:prstGeom prst="rect">
             <a:avLst/>
@@ -3765,8 +3780,8 @@
         </p:nvSpPr>
         <p:spPr>
           <a:xfrm flipH="1">
-            <a:off x="-150" y="0"/>
-            <a:ext cx="2422501" cy="5143500"/>
+            <a:off x="-151" y="0"/>
+            <a:ext cx="2422502" cy="5143500"/>
           </a:xfrm>
           <a:prstGeom prst="rect">
             <a:avLst/>
@@ -3802,8 +3817,8 @@
         </p:nvSpPr>
         <p:spPr>
           <a:xfrm>
-            <a:off x="133349" y="173749"/>
-            <a:ext cx="2155502" cy="1071851"/>
+            <a:off x="133349" y="173748"/>
+            <a:ext cx="2155502" cy="1071849"/>
           </a:xfrm>
           <a:prstGeom prst="rect">
             <a:avLst/>
@@ -3818,7 +3833,7 @@
           </a:extLst>
         </p:spPr>
         <p:txBody>
-          <a:bodyPr lIns="91424" tIns="91424" rIns="91424" bIns="91424">
+          <a:bodyPr lIns="91423" tIns="91423" rIns="91423" bIns="91423">
             <a:spAutoFit/>
           </a:bodyPr>
           <a:lstStyle/>
@@ -3890,8 +3905,8 @@
         </p:nvSpPr>
         <p:spPr>
           <a:xfrm flipH="1">
-            <a:off x="-150" y="0"/>
-            <a:ext cx="2422501" cy="5143500"/>
+            <a:off x="-151" y="0"/>
+            <a:ext cx="2422502" cy="5143500"/>
           </a:xfrm>
           <a:prstGeom prst="rect">
             <a:avLst/>
@@ -3927,8 +3942,8 @@
         </p:nvSpPr>
         <p:spPr>
           <a:xfrm>
-            <a:off x="133349" y="173749"/>
-            <a:ext cx="2155502" cy="1516351"/>
+            <a:off x="133349" y="173748"/>
+            <a:ext cx="2155502" cy="1516349"/>
           </a:xfrm>
           <a:prstGeom prst="rect">
             <a:avLst/>
@@ -3943,7 +3958,7 @@
           </a:extLst>
         </p:spPr>
         <p:txBody>
-          <a:bodyPr lIns="91424" tIns="91424" rIns="91424" bIns="91424">
+          <a:bodyPr lIns="91423" tIns="91423" rIns="91423" bIns="91423">
             <a:spAutoFit/>
           </a:bodyPr>
           <a:lstStyle/>
@@ -4006,7 +4021,7 @@
         <p:spPr>
           <a:xfrm>
             <a:off x="67049" y="4567275"/>
-            <a:ext cx="6146702" cy="398751"/>
+            <a:ext cx="6146702" cy="398749"/>
           </a:xfrm>
           <a:prstGeom prst="rect">
             <a:avLst/>
@@ -4021,7 +4036,7 @@
           </a:extLst>
         </p:spPr>
         <p:txBody>
-          <a:bodyPr lIns="91424" tIns="91424" rIns="91424" bIns="91424">
+          <a:bodyPr lIns="91423" tIns="91423" rIns="91423" bIns="91423">
             <a:spAutoFit/>
           </a:bodyPr>
           <a:lstStyle>
@@ -4054,7 +4069,7 @@
         <p:spPr>
           <a:xfrm>
             <a:off x="166799" y="4967475"/>
-            <a:ext cx="2088602" cy="1"/>
+            <a:ext cx="2088603" cy="2"/>
           </a:xfrm>
           <a:prstGeom prst="line">
             <a:avLst/>
@@ -4066,7 +4081,7 @@
           </a:ln>
         </p:spPr>
         <p:txBody>
-          <a:bodyPr lIns="0" tIns="0" rIns="0" bIns="0"/>
+          <a:bodyPr lIns="45718" tIns="45718" rIns="45718" bIns="45718"/>
           <a:lstStyle/>
           <a:p>
             <a:pPr/>
@@ -4092,7 +4107,7 @@
         <p:spPr>
           <a:xfrm>
             <a:off x="4922425" y="339200"/>
-            <a:ext cx="3564011" cy="4628275"/>
+            <a:ext cx="3564012" cy="4628275"/>
           </a:xfrm>
           <a:prstGeom prst="rect">
             <a:avLst/>
@@ -4136,8 +4151,8 @@
         </p:nvSpPr>
         <p:spPr>
           <a:xfrm flipH="1">
-            <a:off x="-150" y="0"/>
-            <a:ext cx="2422501" cy="5143500"/>
+            <a:off x="-151" y="0"/>
+            <a:ext cx="2422502" cy="5143500"/>
           </a:xfrm>
           <a:prstGeom prst="rect">
             <a:avLst/>
@@ -4173,8 +4188,8 @@
         </p:nvSpPr>
         <p:spPr>
           <a:xfrm>
-            <a:off x="133349" y="173749"/>
-            <a:ext cx="2155502" cy="1516351"/>
+            <a:off x="133349" y="173748"/>
+            <a:ext cx="2155502" cy="1516349"/>
           </a:xfrm>
           <a:prstGeom prst="rect">
             <a:avLst/>
@@ -4189,7 +4204,7 @@
           </a:extLst>
         </p:spPr>
         <p:txBody>
-          <a:bodyPr lIns="91424" tIns="91424" rIns="91424" bIns="91424">
+          <a:bodyPr lIns="91423" tIns="91423" rIns="91423" bIns="91423">
             <a:spAutoFit/>
           </a:bodyPr>
           <a:lstStyle/>
@@ -4252,7 +4267,7 @@
         <p:spPr>
           <a:xfrm>
             <a:off x="67049" y="4567275"/>
-            <a:ext cx="6146702" cy="398751"/>
+            <a:ext cx="6146702" cy="398749"/>
           </a:xfrm>
           <a:prstGeom prst="rect">
             <a:avLst/>
@@ -4267,7 +4282,7 @@
           </a:extLst>
         </p:spPr>
         <p:txBody>
-          <a:bodyPr lIns="91424" tIns="91424" rIns="91424" bIns="91424">
+          <a:bodyPr lIns="91423" tIns="91423" rIns="91423" bIns="91423">
             <a:spAutoFit/>
           </a:bodyPr>
           <a:lstStyle>
@@ -4300,7 +4315,7 @@
         <p:spPr>
           <a:xfrm>
             <a:off x="166799" y="4967475"/>
-            <a:ext cx="2088602" cy="1"/>
+            <a:ext cx="2088603" cy="2"/>
           </a:xfrm>
           <a:prstGeom prst="line">
             <a:avLst/>
@@ -4312,7 +4327,7 @@
           </a:ln>
         </p:spPr>
         <p:txBody>
-          <a:bodyPr lIns="0" tIns="0" rIns="0" bIns="0"/>
+          <a:bodyPr lIns="45718" tIns="45718" rIns="45718" bIns="45718"/>
           <a:lstStyle/>
           <a:p>
             <a:pPr/>
@@ -4382,8 +4397,8 @@
         </p:nvSpPr>
         <p:spPr>
           <a:xfrm flipH="1">
-            <a:off x="-150" y="0"/>
-            <a:ext cx="2422501" cy="5143500"/>
+            <a:off x="-151" y="0"/>
+            <a:ext cx="2422502" cy="5143500"/>
           </a:xfrm>
           <a:prstGeom prst="rect">
             <a:avLst/>
@@ -4419,8 +4434,8 @@
         </p:nvSpPr>
         <p:spPr>
           <a:xfrm>
-            <a:off x="133349" y="173749"/>
-            <a:ext cx="2331602" cy="1516351"/>
+            <a:off x="133348" y="173748"/>
+            <a:ext cx="2331604" cy="1516349"/>
           </a:xfrm>
           <a:prstGeom prst="rect">
             <a:avLst/>
@@ -4435,7 +4450,7 @@
           </a:extLst>
         </p:spPr>
         <p:txBody>
-          <a:bodyPr lIns="91424" tIns="91424" rIns="91424" bIns="91424">
+          <a:bodyPr lIns="91423" tIns="91423" rIns="91423" bIns="91423">
             <a:spAutoFit/>
           </a:bodyPr>
           <a:lstStyle/>
@@ -4508,7 +4523,7 @@
         <p:spPr>
           <a:xfrm>
             <a:off x="3374999" y="109700"/>
-            <a:ext cx="5184991" cy="4838701"/>
+            <a:ext cx="5184991" cy="4838702"/>
           </a:xfrm>
           <a:prstGeom prst="rect">
             <a:avLst/>
@@ -4555,7 +4570,7 @@
         <p:spPr>
           <a:xfrm>
             <a:off x="406425" y="1806824"/>
-            <a:ext cx="8296800" cy="1542002"/>
+            <a:ext cx="8296800" cy="1542003"/>
           </a:xfrm>
           <a:prstGeom prst="rect">
             <a:avLst/>
@@ -4606,8 +4621,8 @@
         </p:nvSpPr>
         <p:spPr>
           <a:xfrm flipH="1">
-            <a:off x="-150" y="0"/>
-            <a:ext cx="2422501" cy="5143500"/>
+            <a:off x="-151" y="0"/>
+            <a:ext cx="2422502" cy="5143500"/>
           </a:xfrm>
           <a:prstGeom prst="rect">
             <a:avLst/>
@@ -4643,8 +4658,8 @@
         </p:nvSpPr>
         <p:spPr>
           <a:xfrm>
-            <a:off x="133349" y="173749"/>
-            <a:ext cx="2155502" cy="1071851"/>
+            <a:off x="133349" y="173748"/>
+            <a:ext cx="2155502" cy="1071849"/>
           </a:xfrm>
           <a:prstGeom prst="rect">
             <a:avLst/>
@@ -4659,7 +4674,7 @@
           </a:extLst>
         </p:spPr>
         <p:txBody>
-          <a:bodyPr lIns="91424" tIns="91424" rIns="91424" bIns="91424">
+          <a:bodyPr lIns="91423" tIns="91423" rIns="91423" bIns="91423">
             <a:spAutoFit/>
           </a:bodyPr>
           <a:lstStyle>
@@ -4692,7 +4707,7 @@
         <p:spPr>
           <a:xfrm>
             <a:off x="187574" y="4588600"/>
-            <a:ext cx="2326202" cy="398751"/>
+            <a:ext cx="2326203" cy="398749"/>
           </a:xfrm>
           <a:prstGeom prst="rect">
             <a:avLst/>
@@ -4707,7 +4722,7 @@
           </a:extLst>
         </p:spPr>
         <p:txBody>
-          <a:bodyPr lIns="91424" tIns="91424" rIns="91424" bIns="91424">
+          <a:bodyPr lIns="91423" tIns="91423" rIns="91423" bIns="91423">
             <a:spAutoFit/>
           </a:bodyPr>
           <a:lstStyle>
@@ -4750,7 +4765,7 @@
         <p:spPr>
           <a:xfrm>
             <a:off x="3519849" y="1190625"/>
-            <a:ext cx="4648201" cy="2762250"/>
+            <a:ext cx="4648202" cy="2762250"/>
           </a:xfrm>
           <a:prstGeom prst="rect">
             <a:avLst/>
@@ -4794,8 +4809,8 @@
         </p:nvSpPr>
         <p:spPr>
           <a:xfrm flipH="1">
-            <a:off x="-150" y="0"/>
-            <a:ext cx="2422501" cy="5143500"/>
+            <a:off x="-151" y="0"/>
+            <a:ext cx="2422502" cy="5143500"/>
           </a:xfrm>
           <a:prstGeom prst="rect">
             <a:avLst/>
@@ -4831,8 +4846,8 @@
         </p:nvSpPr>
         <p:spPr>
           <a:xfrm>
-            <a:off x="133349" y="173749"/>
-            <a:ext cx="2155502" cy="1071851"/>
+            <a:off x="133349" y="173748"/>
+            <a:ext cx="2155502" cy="1071849"/>
           </a:xfrm>
           <a:prstGeom prst="rect">
             <a:avLst/>
@@ -4847,7 +4862,7 @@
           </a:extLst>
         </p:spPr>
         <p:txBody>
-          <a:bodyPr lIns="91424" tIns="91424" rIns="91424" bIns="91424">
+          <a:bodyPr lIns="91423" tIns="91423" rIns="91423" bIns="91423">
             <a:spAutoFit/>
           </a:bodyPr>
           <a:lstStyle>
@@ -4880,7 +4895,7 @@
         <p:spPr>
           <a:xfrm>
             <a:off x="187574" y="4588600"/>
-            <a:ext cx="2326202" cy="398751"/>
+            <a:ext cx="2326203" cy="398749"/>
           </a:xfrm>
           <a:prstGeom prst="rect">
             <a:avLst/>
@@ -4895,7 +4910,7 @@
           </a:extLst>
         </p:spPr>
         <p:txBody>
-          <a:bodyPr lIns="91424" tIns="91424" rIns="91424" bIns="91424">
+          <a:bodyPr lIns="91423" tIns="91423" rIns="91423" bIns="91423">
             <a:spAutoFit/>
           </a:bodyPr>
           <a:lstStyle>
@@ -4937,8 +4952,8 @@
         </p:blipFill>
         <p:spPr>
           <a:xfrm>
-            <a:off x="3039674" y="1464950"/>
-            <a:ext cx="5276851" cy="2324101"/>
+            <a:off x="3039673" y="1464950"/>
+            <a:ext cx="5276853" cy="2324101"/>
           </a:xfrm>
           <a:prstGeom prst="rect">
             <a:avLst/>
@@ -4982,8 +4997,8 @@
         </p:nvSpPr>
         <p:spPr>
           <a:xfrm flipH="1">
-            <a:off x="-150" y="0"/>
-            <a:ext cx="2422501" cy="5143500"/>
+            <a:off x="-151" y="0"/>
+            <a:ext cx="2422502" cy="5143500"/>
           </a:xfrm>
           <a:prstGeom prst="rect">
             <a:avLst/>
@@ -5019,8 +5034,8 @@
         </p:nvSpPr>
         <p:spPr>
           <a:xfrm>
-            <a:off x="133349" y="173749"/>
-            <a:ext cx="2155502" cy="1071851"/>
+            <a:off x="133349" y="173748"/>
+            <a:ext cx="2155502" cy="1071849"/>
           </a:xfrm>
           <a:prstGeom prst="rect">
             <a:avLst/>
@@ -5035,7 +5050,7 @@
           </a:extLst>
         </p:spPr>
         <p:txBody>
-          <a:bodyPr lIns="91424" tIns="91424" rIns="91424" bIns="91424">
+          <a:bodyPr lIns="91423" tIns="91423" rIns="91423" bIns="91423">
             <a:spAutoFit/>
           </a:bodyPr>
           <a:lstStyle>
@@ -5068,7 +5083,7 @@
         <p:spPr>
           <a:xfrm>
             <a:off x="187574" y="4588600"/>
-            <a:ext cx="2326202" cy="398751"/>
+            <a:ext cx="2326203" cy="398749"/>
           </a:xfrm>
           <a:prstGeom prst="rect">
             <a:avLst/>
@@ -5083,7 +5098,7 @@
           </a:extLst>
         </p:spPr>
         <p:txBody>
-          <a:bodyPr lIns="91424" tIns="91424" rIns="91424" bIns="91424">
+          <a:bodyPr lIns="91423" tIns="91423" rIns="91423" bIns="91423">
             <a:spAutoFit/>
           </a:bodyPr>
           <a:lstStyle>
@@ -5125,8 +5140,8 @@
         </p:blipFill>
         <p:spPr>
           <a:xfrm>
-            <a:off x="3039649" y="747712"/>
-            <a:ext cx="5276851" cy="3648076"/>
+            <a:off x="3039648" y="747712"/>
+            <a:ext cx="5276853" cy="3648077"/>
           </a:xfrm>
           <a:prstGeom prst="rect">
             <a:avLst/>
@@ -5170,8 +5185,8 @@
         </p:nvSpPr>
         <p:spPr>
           <a:xfrm flipH="1">
-            <a:off x="-150" y="0"/>
-            <a:ext cx="2422501" cy="5143500"/>
+            <a:off x="-151" y="0"/>
+            <a:ext cx="2422502" cy="5143500"/>
           </a:xfrm>
           <a:prstGeom prst="rect">
             <a:avLst/>
@@ -5207,8 +5222,8 @@
         </p:nvSpPr>
         <p:spPr>
           <a:xfrm>
-            <a:off x="133349" y="173749"/>
-            <a:ext cx="2155502" cy="1071851"/>
+            <a:off x="133349" y="173748"/>
+            <a:ext cx="2155502" cy="1071849"/>
           </a:xfrm>
           <a:prstGeom prst="rect">
             <a:avLst/>
@@ -5223,7 +5238,7 @@
           </a:extLst>
         </p:spPr>
         <p:txBody>
-          <a:bodyPr lIns="91424" tIns="91424" rIns="91424" bIns="91424">
+          <a:bodyPr lIns="91423" tIns="91423" rIns="91423" bIns="91423">
             <a:spAutoFit/>
           </a:bodyPr>
           <a:lstStyle>
@@ -5256,7 +5271,7 @@
         <p:spPr>
           <a:xfrm>
             <a:off x="187574" y="4588600"/>
-            <a:ext cx="2326202" cy="398751"/>
+            <a:ext cx="2326203" cy="398749"/>
           </a:xfrm>
           <a:prstGeom prst="rect">
             <a:avLst/>
@@ -5271,7 +5286,7 @@
           </a:extLst>
         </p:spPr>
         <p:txBody>
-          <a:bodyPr lIns="91424" tIns="91424" rIns="91424" bIns="91424">
+          <a:bodyPr lIns="91423" tIns="91423" rIns="91423" bIns="91423">
             <a:spAutoFit/>
           </a:bodyPr>
           <a:lstStyle>
@@ -5314,7 +5329,7 @@
         <p:spPr>
           <a:xfrm>
             <a:off x="3210399" y="150099"/>
-            <a:ext cx="5276851" cy="4838701"/>
+            <a:ext cx="5276852" cy="4838702"/>
           </a:xfrm>
           <a:prstGeom prst="rect">
             <a:avLst/>
@@ -5358,8 +5373,8 @@
         </p:nvSpPr>
         <p:spPr>
           <a:xfrm flipH="1">
-            <a:off x="-150" y="0"/>
-            <a:ext cx="2422501" cy="5143500"/>
+            <a:off x="-151" y="0"/>
+            <a:ext cx="2422502" cy="5143500"/>
           </a:xfrm>
           <a:prstGeom prst="rect">
             <a:avLst/>
@@ -5395,8 +5410,8 @@
         </p:nvSpPr>
         <p:spPr>
           <a:xfrm>
-            <a:off x="133349" y="173749"/>
-            <a:ext cx="2155502" cy="1071851"/>
+            <a:off x="133349" y="173748"/>
+            <a:ext cx="2155502" cy="1071849"/>
           </a:xfrm>
           <a:prstGeom prst="rect">
             <a:avLst/>
@@ -5411,7 +5426,7 @@
           </a:extLst>
         </p:spPr>
         <p:txBody>
-          <a:bodyPr lIns="91424" tIns="91424" rIns="91424" bIns="91424">
+          <a:bodyPr lIns="91423" tIns="91423" rIns="91423" bIns="91423">
             <a:spAutoFit/>
           </a:bodyPr>
           <a:lstStyle>
@@ -5444,7 +5459,7 @@
         <p:spPr>
           <a:xfrm>
             <a:off x="187574" y="4588600"/>
-            <a:ext cx="2326202" cy="398751"/>
+            <a:ext cx="2326203" cy="398749"/>
           </a:xfrm>
           <a:prstGeom prst="rect">
             <a:avLst/>
@@ -5459,7 +5474,7 @@
           </a:extLst>
         </p:spPr>
         <p:txBody>
-          <a:bodyPr lIns="91424" tIns="91424" rIns="91424" bIns="91424">
+          <a:bodyPr lIns="91423" tIns="91423" rIns="91423" bIns="91423">
             <a:spAutoFit/>
           </a:bodyPr>
           <a:lstStyle>
@@ -5502,7 +5517,7 @@
         <p:spPr>
           <a:xfrm>
             <a:off x="5997075" y="328613"/>
-            <a:ext cx="2495551" cy="4486276"/>
+            <a:ext cx="2495551" cy="4486277"/>
           </a:xfrm>
           <a:prstGeom prst="rect">
             <a:avLst/>
@@ -5531,7 +5546,7 @@
         <p:spPr>
           <a:xfrm>
             <a:off x="3104930" y="327473"/>
-            <a:ext cx="2520502" cy="4488478"/>
+            <a:ext cx="2520503" cy="4488478"/>
           </a:xfrm>
           <a:prstGeom prst="rect">
             <a:avLst/>
@@ -5577,8 +5592,8 @@
         </p:nvSpPr>
         <p:spPr>
           <a:xfrm>
-            <a:off x="244175" y="150599"/>
-            <a:ext cx="4045200" cy="573602"/>
+            <a:off x="244175" y="150598"/>
+            <a:ext cx="4045200" cy="573603"/>
           </a:xfrm>
           <a:prstGeom prst="rect">
             <a:avLst/>
@@ -5588,7 +5603,7 @@
           <a:bodyPr anchor="ctr"/>
           <a:lstStyle>
             <a:lvl1pPr defTabSz="640079">
-              <a:defRPr sz="2520"/>
+              <a:defRPr sz="2500"/>
             </a:lvl1pPr>
           </a:lstStyle>
           <a:p>
@@ -5609,8 +5624,8 @@
         </p:nvSpPr>
         <p:spPr>
           <a:xfrm>
-            <a:off x="4939500" y="724199"/>
-            <a:ext cx="3837000" cy="3695101"/>
+            <a:off x="4939500" y="724198"/>
+            <a:ext cx="3837000" cy="3695102"/>
           </a:xfrm>
           <a:prstGeom prst="rect">
             <a:avLst/>
@@ -5704,6 +5719,42 @@
             </a:pPr>
             <a:r>
               <a:t>Diagrams</a:t>
+            </a:r>
+          </a:p>
+          <a:p>
+            <a:pPr marL="0" indent="0" algn="l">
+              <a:lnSpc>
+                <a:spcPct val="95000"/>
+              </a:lnSpc>
+              <a:spcBef>
+                <a:spcPts val="1200"/>
+              </a:spcBef>
+              <a:defRPr sz="1700">
+                <a:solidFill>
+                  <a:srgbClr val="FFFFFF"/>
+                </a:solidFill>
+              </a:defRPr>
+            </a:pPr>
+            <a:r>
+              <a:t>Future Enhancements </a:t>
+            </a:r>
+          </a:p>
+          <a:p>
+            <a:pPr marL="0" indent="0" algn="l">
+              <a:lnSpc>
+                <a:spcPct val="95000"/>
+              </a:lnSpc>
+              <a:spcBef>
+                <a:spcPts val="1200"/>
+              </a:spcBef>
+              <a:defRPr sz="1700">
+                <a:solidFill>
+                  <a:srgbClr val="FFFFFF"/>
+                </a:solidFill>
+              </a:defRPr>
+            </a:pPr>
+            <a:r>
+              <a:t>Conclusions</a:t>
             </a:r>
           </a:p>
           <a:p>
@@ -5754,7 +5805,7 @@
       </p:grpSpPr>
       <p:sp>
         <p:nvSpPr>
-          <p:cNvPr id="204" name="Google Shape;206;p32"/>
+          <p:cNvPr id="204" name="Google Shape;109;p19"/>
           <p:cNvSpPr txBox="1"/>
           <p:nvPr>
             <p:ph type="title"/>
@@ -5762,210 +5813,75 @@
         </p:nvSpPr>
         <p:spPr>
           <a:xfrm>
-            <a:off x="2400249" y="575950"/>
-            <a:ext cx="6321602" cy="635401"/>
-          </a:xfrm>
-          <a:prstGeom prst="rect">
-            <a:avLst/>
-          </a:prstGeom>
-        </p:spPr>
-        <p:txBody>
-          <a:bodyPr/>
+            <a:off x="265475" y="245448"/>
+            <a:ext cx="4045200" cy="629704"/>
+          </a:xfrm>
+          <a:prstGeom prst="rect">
+            <a:avLst/>
+          </a:prstGeom>
+        </p:spPr>
+        <p:txBody>
+          <a:bodyPr anchor="ctr"/>
           <a:lstStyle>
-            <a:lvl1pPr defTabSz="886968">
-              <a:defRPr sz="2910"/>
+            <a:lvl1pPr defTabSz="740662">
+              <a:defRPr sz="2900"/>
             </a:lvl1pPr>
           </a:lstStyle>
           <a:p>
             <a:pPr/>
             <a:r>
-              <a:t>References</a:t>
-            </a:r>
-          </a:p>
-        </p:txBody>
-      </p:sp>
-      <p:sp>
-        <p:nvSpPr>
-          <p:cNvPr id="205" name="Google Shape;207;p32"/>
+              <a:t>Conclusion</a:t>
+            </a:r>
+          </a:p>
+        </p:txBody>
+      </p:sp>
+      <p:sp>
+        <p:nvSpPr>
+          <p:cNvPr id="205" name="Google Shape;110;p19"/>
           <p:cNvSpPr txBox="1"/>
-          <p:nvPr/>
-        </p:nvSpPr>
-        <p:spPr>
-          <a:xfrm>
-            <a:off x="2487700" y="1547299"/>
-            <a:ext cx="6146701" cy="3497551"/>
-          </a:xfrm>
-          <a:prstGeom prst="rect">
-            <a:avLst/>
-          </a:prstGeom>
-          <a:ln w="12700">
-            <a:miter lim="400000"/>
-          </a:ln>
-          <a:extLst>
-            <a:ext uri="{C572A759-6A51-4108-AA02-DFA0A04FC94B}">
-              <ma14:wrappingTextBoxFlag xmlns:ma14="http://schemas.microsoft.com/office/mac/drawingml/2011/main" val="1"/>
-            </a:ext>
-          </a:extLst>
-        </p:spPr>
-        <p:txBody>
-          <a:bodyPr lIns="91424" tIns="91424" rIns="91424" bIns="91424">
-            <a:spAutoFit/>
-          </a:bodyPr>
-          <a:lstStyle/>
-          <a:p>
-            <a:pPr>
+          <p:nvPr>
+            <p:ph type="body" sz="half" idx="1"/>
+          </p:nvPr>
+        </p:nvSpPr>
+        <p:spPr>
+          <a:xfrm>
+            <a:off x="4939500" y="724199"/>
+            <a:ext cx="3837000" cy="3695101"/>
+          </a:xfrm>
+          <a:prstGeom prst="rect">
+            <a:avLst/>
+          </a:prstGeom>
+        </p:spPr>
+        <p:txBody>
+          <a:bodyPr anchor="ctr"/>
+          <a:lstStyle>
+            <a:lvl1pPr marL="0" indent="0" algn="just" defTabSz="457200">
               <a:lnSpc>
                 <a:spcPct val="150000"/>
               </a:lnSpc>
               <a:defRPr sz="1500">
                 <a:solidFill>
-                  <a:srgbClr val="000000"/>
-                </a:solidFill>
-                <a:latin typeface="Raleway"/>
-                <a:ea typeface="Raleway"/>
-                <a:cs typeface="Raleway"/>
-                <a:sym typeface="Raleway"/>
-              </a:defRPr>
-            </a:pPr>
-            <a:r>
-              <a:t>Agile Model Diagram</a:t>
-            </a:r>
-          </a:p>
-          <a:p>
-            <a:pPr>
-              <a:lnSpc>
-                <a:spcPct val="150000"/>
-              </a:lnSpc>
-              <a:defRPr sz="1500" u="sng">
-                <a:solidFill>
-                  <a:srgbClr val="1155CC"/>
-                </a:solidFill>
-                <a:latin typeface="Raleway"/>
-                <a:ea typeface="Raleway"/>
-                <a:cs typeface="Raleway"/>
-                <a:sym typeface="Raleway"/>
-              </a:defRPr>
-            </a:pPr>
-            <a:r>
-              <a:rPr>
-                <a:solidFill>
-                  <a:srgbClr val="0277BD"/>
+                  <a:srgbClr val="FFFFFF"/>
                 </a:solidFill>
                 <a:uFill>
                   <a:solidFill>
-                    <a:srgbClr val="0277BD"/>
+                    <a:srgbClr val="000000"/>
                   </a:solidFill>
                 </a:uFill>
-                <a:hlinkClick r:id="rId2" invalidUrl="" action="" tgtFrame="" tooltip="" history="1" highlightClick="0" endSnd="0"/>
-              </a:rPr>
-              <a:t>https://lh3.googleusercontent.com/xExOJYzP2K3su8NcSabsLozpM8jYVplZzireNIm10Ndt6nrtsimSuKT6tz8K9MuavNJSRxYq14-sWh5QKg8VYa1jkAyd4wOIbD8dUz6T7zan6PSl3GBpBeMxoo6vJl9tQHbL3dT7</a:t>
-            </a:r>
-            <a:endParaRPr>
-              <a:solidFill>
-                <a:srgbClr val="000000"/>
-              </a:solidFill>
-            </a:endParaRPr>
-          </a:p>
+                <a:latin typeface="Tahoma"/>
+                <a:ea typeface="Tahoma"/>
+                <a:cs typeface="Tahoma"/>
+                <a:sym typeface="Tahoma"/>
+              </a:defRPr>
+            </a:lvl1pPr>
+          </a:lstStyle>
           <a:p>
             <a:pPr>
-              <a:lnSpc>
-                <a:spcPct val="150000"/>
-              </a:lnSpc>
-              <a:defRPr>
-                <a:solidFill>
-                  <a:srgbClr val="000000"/>
-                </a:solidFill>
-              </a:defRPr>
+              <a:defRPr sz="1100"/>
             </a:pPr>
-            <a:endParaRPr sz="1500">
-              <a:latin typeface="Raleway"/>
-              <a:ea typeface="Raleway"/>
-              <a:cs typeface="Raleway"/>
-              <a:sym typeface="Raleway"/>
-            </a:endParaRPr>
-          </a:p>
-          <a:p>
-            <a:pPr>
-              <a:lnSpc>
-                <a:spcPct val="150000"/>
-              </a:lnSpc>
-              <a:defRPr sz="1500">
-                <a:solidFill>
-                  <a:srgbClr val="000000"/>
-                </a:solidFill>
-                <a:latin typeface="Raleway"/>
-                <a:ea typeface="Raleway"/>
-                <a:cs typeface="Raleway"/>
-                <a:sym typeface="Raleway"/>
-              </a:defRPr>
-            </a:pPr>
-            <a:r>
-              <a:t>UCD and SSD made from </a:t>
-            </a:r>
-            <a:r>
-              <a:rPr u="sng">
-                <a:solidFill>
-                  <a:srgbClr val="0277BD"/>
-                </a:solidFill>
-                <a:uFill>
-                  <a:solidFill>
-                    <a:srgbClr val="0277BD"/>
-                  </a:solidFill>
-                </a:uFill>
-                <a:hlinkClick r:id="rId3" invalidUrl="" action="" tgtFrame="" tooltip="" history="1" highlightClick="0" endSnd="0"/>
-              </a:rPr>
-              <a:t>https://draw.io</a:t>
-            </a:r>
-          </a:p>
-          <a:p>
-            <a:pPr>
-              <a:lnSpc>
-                <a:spcPct val="150000"/>
-              </a:lnSpc>
-              <a:defRPr>
-                <a:solidFill>
-                  <a:srgbClr val="000000"/>
-                </a:solidFill>
-              </a:defRPr>
-            </a:pPr>
-            <a:endParaRPr sz="1500">
-              <a:latin typeface="Raleway"/>
-              <a:ea typeface="Raleway"/>
-              <a:cs typeface="Raleway"/>
-              <a:sym typeface="Raleway"/>
-            </a:endParaRPr>
-          </a:p>
-          <a:p>
-            <a:pPr>
-              <a:lnSpc>
-                <a:spcPct val="150000"/>
-              </a:lnSpc>
-              <a:defRPr sz="1500">
-                <a:solidFill>
-                  <a:srgbClr val="000000"/>
-                </a:solidFill>
-                <a:latin typeface="Raleway"/>
-                <a:ea typeface="Raleway"/>
-                <a:cs typeface="Raleway"/>
-                <a:sym typeface="Raleway"/>
-              </a:defRPr>
-            </a:pPr>
-            <a:r>
-              <a:t>ERD made from </a:t>
-            </a:r>
-            <a:r>
-              <a:rPr u="sng">
-                <a:solidFill>
-                  <a:srgbClr val="0277BD"/>
-                </a:solidFill>
-                <a:uFill>
-                  <a:solidFill>
-                    <a:srgbClr val="0277BD"/>
-                  </a:solidFill>
-                </a:uFill>
-                <a:hlinkClick r:id="rId4" invalidUrl="" action="" tgtFrame="" tooltip="" history="1" highlightClick="0" endSnd="0"/>
-              </a:rPr>
-              <a:t>https://lucid.co/</a:t>
+            <a:r>
+              <a:rPr sz="1500"/>
+              <a:t>This system helps people to find rooms near them or any other place. People from different places can explore through our application and  find rooms which are available near them. System admin can publish rooms with detailed descriptions powered by images and videos. Admin can edit Room’s information. An ordinary user who is searching for rooms can directly contact owners through our application.</a:t>
             </a:r>
           </a:p>
         </p:txBody>
@@ -5998,7 +5914,7 @@
       </p:grpSpPr>
       <p:sp>
         <p:nvSpPr>
-          <p:cNvPr id="207" name="Google Shape;212;p33"/>
+          <p:cNvPr id="207" name="Google Shape;109;p19"/>
           <p:cNvSpPr txBox="1"/>
           <p:nvPr>
             <p:ph type="title"/>
@@ -6006,8 +5922,411 @@
         </p:nvSpPr>
         <p:spPr>
           <a:xfrm>
+            <a:off x="265475" y="245448"/>
+            <a:ext cx="4045200" cy="629704"/>
+          </a:xfrm>
+          <a:prstGeom prst="rect">
+            <a:avLst/>
+          </a:prstGeom>
+        </p:spPr>
+        <p:txBody>
+          <a:bodyPr anchor="ctr"/>
+          <a:lstStyle>
+            <a:lvl1pPr defTabSz="740662">
+              <a:defRPr sz="2900"/>
+            </a:lvl1pPr>
+          </a:lstStyle>
+          <a:p>
+            <a:pPr/>
+            <a:r>
+              <a:t>Future Improvements</a:t>
+            </a:r>
+          </a:p>
+        </p:txBody>
+      </p:sp>
+      <p:sp>
+        <p:nvSpPr>
+          <p:cNvPr id="208" name="Google Shape;110;p19"/>
+          <p:cNvSpPr txBox="1"/>
+          <p:nvPr>
+            <p:ph type="body" sz="half" idx="1"/>
+          </p:nvPr>
+        </p:nvSpPr>
+        <p:spPr>
+          <a:xfrm>
+            <a:off x="4939500" y="724199"/>
+            <a:ext cx="3837000" cy="3695101"/>
+          </a:xfrm>
+          <a:prstGeom prst="rect">
+            <a:avLst/>
+          </a:prstGeom>
+        </p:spPr>
+        <p:txBody>
+          <a:bodyPr anchor="ctr"/>
+          <a:lstStyle/>
+          <a:p>
+            <a:pPr marL="0" indent="0" algn="l" defTabSz="457200">
+              <a:lnSpc>
+                <a:spcPct val="150000"/>
+              </a:lnSpc>
+              <a:defRPr sz="1100">
+                <a:solidFill>
+                  <a:srgbClr val="FFFFFF"/>
+                </a:solidFill>
+                <a:uFill>
+                  <a:solidFill>
+                    <a:srgbClr val="000000"/>
+                  </a:solidFill>
+                </a:uFill>
+                <a:latin typeface="Tahoma"/>
+                <a:ea typeface="Tahoma"/>
+                <a:cs typeface="Tahoma"/>
+                <a:sym typeface="Tahoma"/>
+              </a:defRPr>
+            </a:pPr>
+            <a:r>
+              <a:rPr sz="1500"/>
+              <a:t>This project can be improved in following ways</a:t>
+            </a:r>
+            <a:endParaRPr sz="1500"/>
+          </a:p>
+          <a:p>
+            <a:pPr marL="457200" indent="-228600" algn="l" defTabSz="457200">
+              <a:lnSpc>
+                <a:spcPct val="150000"/>
+              </a:lnSpc>
+              <a:buSzPct val="100000"/>
+              <a:buAutoNum type="arabicPeriod" startAt="1"/>
+              <a:defRPr sz="1500">
+                <a:solidFill>
+                  <a:srgbClr val="FFFFFF"/>
+                </a:solidFill>
+                <a:uFill>
+                  <a:solidFill>
+                    <a:srgbClr val="000000"/>
+                  </a:solidFill>
+                </a:uFill>
+                <a:latin typeface="Tahoma"/>
+                <a:ea typeface="Tahoma"/>
+                <a:cs typeface="Tahoma"/>
+                <a:sym typeface="Tahoma"/>
+              </a:defRPr>
+            </a:pPr>
+            <a:r>
+              <a:t>Making it available for vendors to manage their rooms on their own.</a:t>
+            </a:r>
+          </a:p>
+          <a:p>
+            <a:pPr marL="457200" indent="-228600" algn="l" defTabSz="457200">
+              <a:lnSpc>
+                <a:spcPct val="150000"/>
+              </a:lnSpc>
+              <a:buSzPct val="100000"/>
+              <a:buAutoNum type="arabicPeriod" startAt="1"/>
+              <a:defRPr sz="1500">
+                <a:solidFill>
+                  <a:srgbClr val="FFFFFF"/>
+                </a:solidFill>
+                <a:uFill>
+                  <a:solidFill>
+                    <a:srgbClr val="000000"/>
+                  </a:solidFill>
+                </a:uFill>
+                <a:latin typeface="Tahoma"/>
+                <a:ea typeface="Tahoma"/>
+                <a:cs typeface="Tahoma"/>
+                <a:sym typeface="Tahoma"/>
+              </a:defRPr>
+            </a:pPr>
+            <a:r>
+              <a:t>Developing means to receive feedback from users.</a:t>
+            </a:r>
+          </a:p>
+        </p:txBody>
+      </p:sp>
+    </p:spTree>
+  </p:cSld>
+  <p:clrMapOvr>
+    <a:masterClrMapping/>
+  </p:clrMapOvr>
+  <p:transition xmlns:p14="http://schemas.microsoft.com/office/powerpoint/2010/main" spd="med" advClick="1"/>
+</p:sld>
+</file>
+
+<file path=ppt/slides/slide22.xml><?xml version="1.0" encoding="utf-8"?>
+<p:sld xmlns:a="http://schemas.openxmlformats.org/drawingml/2006/main" xmlns:r="http://schemas.openxmlformats.org/officeDocument/2006/relationships" xmlns:p="http://schemas.openxmlformats.org/presentationml/2006/main" xmlns:m="http://schemas.openxmlformats.org/officeDocument/2006/math" xmlns:a14="http://schemas.microsoft.com/office/drawing/2010/main" showMasterSp="1" showMasterPhAnim="1">
+  <p:cSld>
+    <p:spTree>
+      <p:nvGrpSpPr>
+        <p:cNvPr id="1" name=""/>
+        <p:cNvGrpSpPr/>
+        <p:nvPr/>
+      </p:nvGrpSpPr>
+      <p:grpSpPr>
+        <a:xfrm>
+          <a:off x="0" y="0"/>
+          <a:ext cx="0" cy="0"/>
+          <a:chOff x="0" y="0"/>
+          <a:chExt cx="0" cy="0"/>
+        </a:xfrm>
+      </p:grpSpPr>
+      <p:sp>
+        <p:nvSpPr>
+          <p:cNvPr id="210" name="Google Shape;206;p32"/>
+          <p:cNvSpPr txBox="1"/>
+          <p:nvPr>
+            <p:ph type="title"/>
+          </p:nvPr>
+        </p:nvSpPr>
+        <p:spPr>
+          <a:xfrm>
+            <a:off x="2400248" y="575950"/>
+            <a:ext cx="6321604" cy="635402"/>
+          </a:xfrm>
+          <a:prstGeom prst="rect">
+            <a:avLst/>
+          </a:prstGeom>
+        </p:spPr>
+        <p:txBody>
+          <a:bodyPr/>
+          <a:lstStyle>
+            <a:lvl1pPr defTabSz="886967">
+              <a:defRPr sz="2900"/>
+            </a:lvl1pPr>
+          </a:lstStyle>
+          <a:p>
+            <a:pPr/>
+            <a:r>
+              <a:t>References</a:t>
+            </a:r>
+          </a:p>
+        </p:txBody>
+      </p:sp>
+      <p:sp>
+        <p:nvSpPr>
+          <p:cNvPr id="211" name="Google Shape;207;p32"/>
+          <p:cNvSpPr txBox="1"/>
+          <p:nvPr/>
+        </p:nvSpPr>
+        <p:spPr>
+          <a:xfrm>
+            <a:off x="2487700" y="1547298"/>
+            <a:ext cx="6146702" cy="3497549"/>
+          </a:xfrm>
+          <a:prstGeom prst="rect">
+            <a:avLst/>
+          </a:prstGeom>
+          <a:ln w="12700">
+            <a:miter lim="400000"/>
+          </a:ln>
+          <a:extLst>
+            <a:ext uri="{C572A759-6A51-4108-AA02-DFA0A04FC94B}">
+              <ma14:wrappingTextBoxFlag xmlns:ma14="http://schemas.microsoft.com/office/mac/drawingml/2011/main" val="1"/>
+            </a:ext>
+          </a:extLst>
+        </p:spPr>
+        <p:txBody>
+          <a:bodyPr lIns="91423" tIns="91423" rIns="91423" bIns="91423">
+            <a:spAutoFit/>
+          </a:bodyPr>
+          <a:lstStyle/>
+          <a:p>
+            <a:pPr>
+              <a:lnSpc>
+                <a:spcPct val="150000"/>
+              </a:lnSpc>
+              <a:defRPr sz="1500">
+                <a:solidFill>
+                  <a:srgbClr val="000000"/>
+                </a:solidFill>
+                <a:latin typeface="Raleway"/>
+                <a:ea typeface="Raleway"/>
+                <a:cs typeface="Raleway"/>
+                <a:sym typeface="Raleway"/>
+              </a:defRPr>
+            </a:pPr>
+            <a:r>
+              <a:t>Agile Model Diagram</a:t>
+            </a:r>
+          </a:p>
+          <a:p>
+            <a:pPr>
+              <a:lnSpc>
+                <a:spcPct val="150000"/>
+              </a:lnSpc>
+              <a:defRPr sz="1500" u="sng">
+                <a:solidFill>
+                  <a:srgbClr val="0277BD"/>
+                </a:solidFill>
+                <a:uFill>
+                  <a:solidFill>
+                    <a:srgbClr val="0277BD"/>
+                  </a:solidFill>
+                </a:uFill>
+                <a:latin typeface="Raleway"/>
+                <a:ea typeface="Raleway"/>
+                <a:cs typeface="Raleway"/>
+                <a:sym typeface="Raleway"/>
+              </a:defRPr>
+            </a:pPr>
+            <a:r>
+              <a:rPr>
+                <a:solidFill>
+                  <a:srgbClr val="0000FF"/>
+                </a:solidFill>
+                <a:uFill>
+                  <a:solidFill>
+                    <a:srgbClr val="0000FF"/>
+                  </a:solidFill>
+                </a:uFill>
+                <a:hlinkClick r:id="rId2" invalidUrl="" action="" tgtFrame="" tooltip="" history="1" highlightClick="0" endSnd="0"/>
+              </a:rPr>
+              <a:t>https://lh3.googleusercontent.com/xExOJYzP2K3su8NcSabsLozpM8jYVplZzireNIm10Ndt6nrtsimSuKT6tz8K9MuavNJSRxYq14-sWh5QKg8VYa1jkAyd4wOIbD8dUz6T7zan6PSl3GBpBeMxoo6vJl9tQHbL3dT7</a:t>
+            </a:r>
+            <a:endParaRPr>
+              <a:solidFill>
+                <a:srgbClr val="000000"/>
+              </a:solidFill>
+            </a:endParaRPr>
+          </a:p>
+          <a:p>
+            <a:pPr>
+              <a:lnSpc>
+                <a:spcPct val="150000"/>
+              </a:lnSpc>
+              <a:defRPr sz="1500">
+                <a:solidFill>
+                  <a:srgbClr val="000000"/>
+                </a:solidFill>
+                <a:latin typeface="Raleway"/>
+                <a:ea typeface="Raleway"/>
+                <a:cs typeface="Raleway"/>
+                <a:sym typeface="Raleway"/>
+              </a:defRPr>
+            </a:pPr>
+          </a:p>
+          <a:p>
+            <a:pPr>
+              <a:lnSpc>
+                <a:spcPct val="150000"/>
+              </a:lnSpc>
+              <a:defRPr sz="1500">
+                <a:solidFill>
+                  <a:srgbClr val="000000"/>
+                </a:solidFill>
+                <a:latin typeface="Raleway"/>
+                <a:ea typeface="Raleway"/>
+                <a:cs typeface="Raleway"/>
+                <a:sym typeface="Raleway"/>
+              </a:defRPr>
+            </a:pPr>
+            <a:r>
+              <a:t>UCD and SSD made from </a:t>
+            </a:r>
+            <a:r>
+              <a:rPr u="sng">
+                <a:solidFill>
+                  <a:srgbClr val="0000FF"/>
+                </a:solidFill>
+                <a:uFill>
+                  <a:solidFill>
+                    <a:srgbClr val="0000FF"/>
+                  </a:solidFill>
+                </a:uFill>
+                <a:hlinkClick r:id="rId3" invalidUrl="" action="" tgtFrame="" tooltip="" history="1" highlightClick="0" endSnd="0"/>
+              </a:rPr>
+              <a:t>https://draw.io</a:t>
+            </a:r>
+          </a:p>
+          <a:p>
+            <a:pPr>
+              <a:lnSpc>
+                <a:spcPct val="150000"/>
+              </a:lnSpc>
+              <a:defRPr sz="1500">
+                <a:solidFill>
+                  <a:srgbClr val="000000"/>
+                </a:solidFill>
+                <a:latin typeface="Raleway"/>
+                <a:ea typeface="Raleway"/>
+                <a:cs typeface="Raleway"/>
+                <a:sym typeface="Raleway"/>
+              </a:defRPr>
+            </a:pPr>
+          </a:p>
+          <a:p>
+            <a:pPr>
+              <a:lnSpc>
+                <a:spcPct val="150000"/>
+              </a:lnSpc>
+              <a:defRPr sz="1500">
+                <a:solidFill>
+                  <a:srgbClr val="000000"/>
+                </a:solidFill>
+                <a:latin typeface="Raleway"/>
+                <a:ea typeface="Raleway"/>
+                <a:cs typeface="Raleway"/>
+                <a:sym typeface="Raleway"/>
+              </a:defRPr>
+            </a:pPr>
+            <a:r>
+              <a:t>ERD made from </a:t>
+            </a:r>
+            <a:r>
+              <a:rPr u="sng">
+                <a:solidFill>
+                  <a:srgbClr val="0000FF"/>
+                </a:solidFill>
+                <a:uFill>
+                  <a:solidFill>
+                    <a:srgbClr val="0000FF"/>
+                  </a:solidFill>
+                </a:uFill>
+                <a:hlinkClick r:id="rId4" invalidUrl="" action="" tgtFrame="" tooltip="" history="1" highlightClick="0" endSnd="0"/>
+              </a:rPr>
+              <a:t>https://lucid.co/</a:t>
+            </a:r>
+          </a:p>
+        </p:txBody>
+      </p:sp>
+    </p:spTree>
+  </p:cSld>
+  <p:clrMapOvr>
+    <a:masterClrMapping/>
+  </p:clrMapOvr>
+  <p:transition xmlns:p14="http://schemas.microsoft.com/office/powerpoint/2010/main" spd="med" advClick="1"/>
+</p:sld>
+</file>
+
+<file path=ppt/slides/slide23.xml><?xml version="1.0" encoding="utf-8"?>
+<p:sld xmlns:a="http://schemas.openxmlformats.org/drawingml/2006/main" xmlns:r="http://schemas.openxmlformats.org/officeDocument/2006/relationships" xmlns:p="http://schemas.openxmlformats.org/presentationml/2006/main" xmlns:m="http://schemas.openxmlformats.org/officeDocument/2006/math" xmlns:a14="http://schemas.microsoft.com/office/drawing/2010/main" showMasterSp="1" showMasterPhAnim="1">
+  <p:cSld>
+    <p:spTree>
+      <p:nvGrpSpPr>
+        <p:cNvPr id="1" name=""/>
+        <p:cNvGrpSpPr/>
+        <p:nvPr/>
+      </p:nvGrpSpPr>
+      <p:grpSpPr>
+        <a:xfrm>
+          <a:off x="0" y="0"/>
+          <a:ext cx="0" cy="0"/>
+          <a:chOff x="0" y="0"/>
+          <a:chExt cx="0" cy="0"/>
+        </a:xfrm>
+      </p:grpSpPr>
+      <p:sp>
+        <p:nvSpPr>
+          <p:cNvPr id="213" name="Google Shape;212;p33"/>
+          <p:cNvSpPr txBox="1"/>
+          <p:nvPr>
+            <p:ph type="title"/>
+          </p:nvPr>
+        </p:nvSpPr>
+        <p:spPr>
+          <a:xfrm>
             <a:off x="406425" y="1806824"/>
-            <a:ext cx="8296800" cy="1542002"/>
+            <a:ext cx="8296800" cy="1542003"/>
           </a:xfrm>
           <a:prstGeom prst="rect">
             <a:avLst/>
@@ -6060,8 +6379,8 @@
         </p:nvSpPr>
         <p:spPr>
           <a:xfrm>
-            <a:off x="254825" y="309449"/>
-            <a:ext cx="4045200" cy="1107302"/>
+            <a:off x="254825" y="309448"/>
+            <a:ext cx="4045200" cy="1107303"/>
           </a:xfrm>
           <a:prstGeom prst="rect">
             <a:avLst/>
@@ -6088,8 +6407,8 @@
         </p:nvSpPr>
         <p:spPr>
           <a:xfrm>
-            <a:off x="4939500" y="724199"/>
-            <a:ext cx="3837000" cy="3695101"/>
+            <a:off x="4939500" y="724198"/>
+            <a:ext cx="3837000" cy="3695102"/>
           </a:xfrm>
           <a:prstGeom prst="rect">
             <a:avLst/>
@@ -6120,7 +6439,7 @@
             </a:r>
           </a:p>
           <a:p>
-            <a:pPr marL="457200" indent="-340359" algn="l">
+            <a:pPr marL="457200" indent="-340358" algn="l">
               <a:lnSpc>
                 <a:spcPct val="115000"/>
               </a:lnSpc>
@@ -6141,7 +6460,7 @@
             </a:r>
           </a:p>
           <a:p>
-            <a:pPr marL="457200" indent="-340359" algn="l">
+            <a:pPr marL="457200" indent="-340358" algn="l">
               <a:lnSpc>
                 <a:spcPct val="115000"/>
               </a:lnSpc>
@@ -6199,8 +6518,8 @@
         </p:nvSpPr>
         <p:spPr>
           <a:xfrm>
-            <a:off x="254825" y="309449"/>
-            <a:ext cx="4045200" cy="1107302"/>
+            <a:off x="254825" y="309448"/>
+            <a:ext cx="4045200" cy="1107303"/>
           </a:xfrm>
           <a:prstGeom prst="rect">
             <a:avLst/>
@@ -6227,8 +6546,8 @@
         </p:nvSpPr>
         <p:spPr>
           <a:xfrm>
-            <a:off x="4939500" y="724199"/>
-            <a:ext cx="3837000" cy="3695101"/>
+            <a:off x="4939500" y="724198"/>
+            <a:ext cx="3837000" cy="3695102"/>
           </a:xfrm>
           <a:prstGeom prst="rect">
             <a:avLst/>
@@ -6296,7 +6615,7 @@
         <p:spPr>
           <a:xfrm>
             <a:off x="406425" y="1806824"/>
-            <a:ext cx="8296800" cy="1542002"/>
+            <a:ext cx="8296800" cy="1542003"/>
           </a:xfrm>
           <a:prstGeom prst="rect">
             <a:avLst/>
@@ -6306,7 +6625,7 @@
           <a:bodyPr/>
           <a:lstStyle>
             <a:lvl1pPr defTabSz="850391">
-              <a:defRPr sz="4464"/>
+              <a:defRPr sz="4400"/>
             </a:lvl1pPr>
           </a:lstStyle>
           <a:p>
@@ -6353,8 +6672,8 @@
         </p:nvSpPr>
         <p:spPr>
           <a:xfrm>
-            <a:off x="265475" y="245449"/>
-            <a:ext cx="4045200" cy="629702"/>
+            <a:off x="265475" y="245448"/>
+            <a:ext cx="4045200" cy="629704"/>
           </a:xfrm>
           <a:prstGeom prst="rect">
             <a:avLst/>
@@ -6363,8 +6682,8 @@
         <p:txBody>
           <a:bodyPr anchor="ctr"/>
           <a:lstStyle>
-            <a:lvl1pPr defTabSz="740663">
-              <a:defRPr sz="2916"/>
+            <a:lvl1pPr defTabSz="740662">
+              <a:defRPr sz="2900"/>
             </a:lvl1pPr>
           </a:lstStyle>
           <a:p>
@@ -6385,8 +6704,8 @@
         </p:nvSpPr>
         <p:spPr>
           <a:xfrm>
-            <a:off x="4939500" y="724199"/>
-            <a:ext cx="3837000" cy="3695101"/>
+            <a:off x="4939500" y="724198"/>
+            <a:ext cx="3837000" cy="3695102"/>
           </a:xfrm>
           <a:prstGeom prst="rect">
             <a:avLst/>
@@ -6396,7 +6715,7 @@
           <a:bodyPr anchor="ctr"/>
           <a:lstStyle/>
           <a:p>
-            <a:pPr marL="457200" indent="-340359" algn="l">
+            <a:pPr marL="457200" indent="-340358" algn="l">
               <a:lnSpc>
                 <a:spcPct val="115000"/>
               </a:lnSpc>
@@ -6417,7 +6736,7 @@
             </a:r>
           </a:p>
           <a:p>
-            <a:pPr marL="457200" indent="-340359" algn="l">
+            <a:pPr marL="457200" indent="-340358" algn="l">
               <a:lnSpc>
                 <a:spcPct val="115000"/>
               </a:lnSpc>
@@ -6438,7 +6757,7 @@
             </a:r>
           </a:p>
           <a:p>
-            <a:pPr marL="457200" indent="-340359" algn="l">
+            <a:pPr marL="457200" indent="-340358" algn="l">
               <a:lnSpc>
                 <a:spcPct val="115000"/>
               </a:lnSpc>
@@ -6496,8 +6815,8 @@
         </p:nvSpPr>
         <p:spPr>
           <a:xfrm>
-            <a:off x="265475" y="245449"/>
-            <a:ext cx="4045200" cy="629702"/>
+            <a:off x="265475" y="245448"/>
+            <a:ext cx="4045200" cy="629704"/>
           </a:xfrm>
           <a:prstGeom prst="rect">
             <a:avLst/>
@@ -6506,8 +6825,8 @@
         <p:txBody>
           <a:bodyPr anchor="ctr"/>
           <a:lstStyle>
-            <a:lvl1pPr defTabSz="740663">
-              <a:defRPr sz="2916"/>
+            <a:lvl1pPr defTabSz="740662">
+              <a:defRPr sz="2900"/>
             </a:lvl1pPr>
           </a:lstStyle>
           <a:p>
@@ -6528,8 +6847,8 @@
         </p:nvSpPr>
         <p:spPr>
           <a:xfrm>
-            <a:off x="4939500" y="724199"/>
-            <a:ext cx="3837000" cy="3695101"/>
+            <a:off x="4939500" y="724198"/>
+            <a:ext cx="3837000" cy="3695102"/>
           </a:xfrm>
           <a:prstGeom prst="rect">
             <a:avLst/>
@@ -6539,7 +6858,7 @@
           <a:bodyPr anchor="ctr"/>
           <a:lstStyle/>
           <a:p>
-            <a:pPr marL="457200" indent="-340359" algn="l">
+            <a:pPr marL="457200" indent="-340358" algn="l">
               <a:lnSpc>
                 <a:spcPct val="115000"/>
               </a:lnSpc>
@@ -6560,7 +6879,7 @@
             </a:r>
           </a:p>
           <a:p>
-            <a:pPr marL="457200" indent="-340359" algn="l">
+            <a:pPr marL="457200" indent="-340358" algn="l">
               <a:lnSpc>
                 <a:spcPct val="115000"/>
               </a:lnSpc>
@@ -6618,8 +6937,8 @@
         </p:nvSpPr>
         <p:spPr>
           <a:xfrm>
-            <a:off x="2400249" y="575950"/>
-            <a:ext cx="6321602" cy="635401"/>
+            <a:off x="2400248" y="575950"/>
+            <a:ext cx="6321604" cy="635402"/>
           </a:xfrm>
           <a:prstGeom prst="rect">
             <a:avLst/>
@@ -6628,8 +6947,8 @@
         <p:txBody>
           <a:bodyPr/>
           <a:lstStyle>
-            <a:lvl1pPr defTabSz="886968">
-              <a:defRPr sz="2910"/>
+            <a:lvl1pPr defTabSz="886967">
+              <a:defRPr sz="2900"/>
             </a:lvl1pPr>
           </a:lstStyle>
           <a:p>
@@ -6651,7 +6970,7 @@
         <p:spPr>
           <a:xfrm>
             <a:off x="2520699" y="2516875"/>
-            <a:ext cx="3071402" cy="552901"/>
+            <a:ext cx="3071403" cy="552902"/>
           </a:xfrm>
           <a:prstGeom prst="rect">
             <a:avLst/>
@@ -6690,7 +7009,7 @@
         <p:spPr>
           <a:xfrm>
             <a:off x="2520699" y="3069775"/>
-            <a:ext cx="3071402" cy="552901"/>
+            <a:ext cx="3071403" cy="552902"/>
           </a:xfrm>
           <a:prstGeom prst="rect">
             <a:avLst/>
@@ -6705,7 +7024,7 @@
           </a:extLst>
         </p:spPr>
         <p:txBody>
-          <a:bodyPr lIns="91424" tIns="91424" rIns="91424" bIns="91424">
+          <a:bodyPr lIns="91423" tIns="91423" rIns="91423" bIns="91423">
             <a:normAutofit fontScale="100000" lnSpcReduction="0"/>
           </a:bodyPr>
           <a:lstStyle>
@@ -6741,7 +7060,7 @@
         <p:spPr>
           <a:xfrm>
             <a:off x="2487700" y="1547300"/>
-            <a:ext cx="6146701" cy="398751"/>
+            <a:ext cx="6146702" cy="398749"/>
           </a:xfrm>
           <a:prstGeom prst="rect">
             <a:avLst/>
@@ -6756,7 +7075,7 @@
           </a:extLst>
         </p:spPr>
         <p:txBody>
-          <a:bodyPr lIns="91424" tIns="91424" rIns="91424" bIns="91424">
+          <a:bodyPr lIns="91423" tIns="91423" rIns="91423" bIns="91423">
             <a:spAutoFit/>
           </a:bodyPr>
           <a:lstStyle>
@@ -6817,7 +7136,7 @@
         <p:spPr>
           <a:xfrm>
             <a:off x="406425" y="1806824"/>
-            <a:ext cx="8296800" cy="1542002"/>
+            <a:ext cx="8296800" cy="1542003"/>
           </a:xfrm>
           <a:prstGeom prst="rect">
             <a:avLst/>
@@ -6975,13 +7294,7 @@
           <a:effectLst/>
         </a:effectStyle>
         <a:effectStyle>
-          <a:effectLst>
-            <a:outerShdw sx="100000" sy="100000" kx="0" ky="0" algn="b" rotWithShape="0" blurRad="38100" dist="20000" dir="5400000">
-              <a:srgbClr val="000000">
-                <a:alpha val="38000"/>
-              </a:srgbClr>
-            </a:outerShdw>
-          </a:effectLst>
+          <a:effectLst/>
         </a:effectStyle>
       </a:effectStyleLst>
       <a:bgFillStyleLst>
@@ -7040,7 +7353,7 @@
     <a:spDef>
       <a:spPr>
         <a:solidFill>
-          <a:srgbClr val="FFFFFF"/>
+          <a:srgbClr val="F46524"/>
         </a:solidFill>
         <a:ln w="25400" cap="flat">
           <a:solidFill>
@@ -7338,13 +7651,7 @@
           <a:prstDash val="solid"/>
           <a:round/>
         </a:ln>
-        <a:effectLst>
-          <a:outerShdw sx="100000" sy="100000" kx="0" ky="0" algn="b" rotWithShape="0" blurRad="38100" dist="20000" dir="5400000">
-            <a:srgbClr val="000000">
-              <a:alpha val="38000"/>
-            </a:srgbClr>
-          </a:outerShdw>
-        </a:effectLst>
+        <a:effectLst/>
         <a:sp3d/>
       </a:spPr>
       <a:bodyPr rot="0" spcFirstLastPara="1" vertOverflow="overflow" horzOverflow="overflow" vert="horz" wrap="square" lIns="91439" tIns="45719" rIns="91439" bIns="45719" numCol="1" spcCol="38100" rtlCol="0" anchor="t" upright="0">
@@ -8041,13 +8348,7 @@
           <a:effectLst/>
         </a:effectStyle>
         <a:effectStyle>
-          <a:effectLst>
-            <a:outerShdw sx="100000" sy="100000" kx="0" ky="0" algn="b" rotWithShape="0" blurRad="38100" dist="20000" dir="5400000">
-              <a:srgbClr val="000000">
-                <a:alpha val="38000"/>
-              </a:srgbClr>
-            </a:outerShdw>
-          </a:effectLst>
+          <a:effectLst/>
         </a:effectStyle>
       </a:effectStyleLst>
       <a:bgFillStyleLst>
@@ -8106,7 +8407,7 @@
     <a:spDef>
       <a:spPr>
         <a:solidFill>
-          <a:srgbClr val="FFFFFF"/>
+          <a:srgbClr val="F46524"/>
         </a:solidFill>
         <a:ln w="25400" cap="flat">
           <a:solidFill>
@@ -8404,13 +8705,7 @@
           <a:prstDash val="solid"/>
           <a:round/>
         </a:ln>
-        <a:effectLst>
-          <a:outerShdw sx="100000" sy="100000" kx="0" ky="0" algn="b" rotWithShape="0" blurRad="38100" dist="20000" dir="5400000">
-            <a:srgbClr val="000000">
-              <a:alpha val="38000"/>
-            </a:srgbClr>
-          </a:outerShdw>
-        </a:effectLst>
+        <a:effectLst/>
         <a:sp3d/>
       </a:spPr>
       <a:bodyPr rot="0" spcFirstLastPara="1" vertOverflow="overflow" horzOverflow="overflow" vert="horz" wrap="square" lIns="91439" tIns="45719" rIns="91439" bIns="45719" numCol="1" spcCol="38100" rtlCol="0" anchor="t" upright="0">
